--- a/Mainline Overview.pptx
+++ b/Mainline Overview.pptx
@@ -4,10 +4,13 @@
   <p:sldMasterIdLst>
     <p:sldMasterId id="2147483660" r:id="rId1"/>
   </p:sldMasterIdLst>
+  <p:notesMasterIdLst>
+    <p:notesMasterId r:id="rId6"/>
+  </p:notesMasterIdLst>
   <p:sldIdLst>
     <p:sldId id="256" r:id="rId2"/>
     <p:sldId id="257" r:id="rId3"/>
-    <p:sldId id="258" r:id="rId4"/>
+    <p:sldId id="262" r:id="rId4"/>
     <p:sldId id="261" r:id="rId5"/>
   </p:sldIdLst>
   <p:sldSz cx="12192000" cy="6858000"/>
@@ -107,6 +110,11 @@
       </a:defRPr>
     </a:lvl9pPr>
   </p:defaultTextStyle>
+  <p:extLst>
+    <p:ext uri="{EFAFB233-063F-42B5-8137-9DF3F51BA10A}">
+      <p15:sldGuideLst xmlns:p15="http://schemas.microsoft.com/office/powerpoint/2012/main"/>
+    </p:ext>
+  </p:extLst>
 </p:presentation>
 </file>
 
@@ -3294,6 +3302,442 @@
 </dgm:styleDef>
 </file>
 
+<file path=ppt/notesMasters/notesMaster1.xml><?xml version="1.0" encoding="utf-8"?>
+<p:notesMaster xmlns:a="http://schemas.openxmlformats.org/drawingml/2006/main" xmlns:r="http://schemas.openxmlformats.org/officeDocument/2006/relationships" xmlns:p="http://schemas.openxmlformats.org/presentationml/2006/main">
+  <p:cSld>
+    <p:bg>
+      <p:bgRef idx="1001">
+        <a:schemeClr val="bg1"/>
+      </p:bgRef>
+    </p:bg>
+    <p:spTree>
+      <p:nvGrpSpPr>
+        <p:cNvPr id="1" name=""/>
+        <p:cNvGrpSpPr/>
+        <p:nvPr/>
+      </p:nvGrpSpPr>
+      <p:grpSpPr>
+        <a:xfrm>
+          <a:off x="0" y="0"/>
+          <a:ext cx="0" cy="0"/>
+          <a:chOff x="0" y="0"/>
+          <a:chExt cx="0" cy="0"/>
+        </a:xfrm>
+      </p:grpSpPr>
+      <p:sp>
+        <p:nvSpPr>
+          <p:cNvPr id="2" name="Header Placeholder 1"/>
+          <p:cNvSpPr>
+            <a:spLocks noGrp="1"/>
+          </p:cNvSpPr>
+          <p:nvPr>
+            <p:ph type="hdr" sz="quarter"/>
+          </p:nvPr>
+        </p:nvSpPr>
+        <p:spPr>
+          <a:xfrm>
+            <a:off x="0" y="0"/>
+            <a:ext cx="2971800" cy="458788"/>
+          </a:xfrm>
+          <a:prstGeom prst="rect">
+            <a:avLst/>
+          </a:prstGeom>
+        </p:spPr>
+        <p:txBody>
+          <a:bodyPr vert="horz" lIns="91440" tIns="45720" rIns="91440" bIns="45720" rtlCol="0"/>
+          <a:lstStyle>
+            <a:lvl1pPr algn="l">
+              <a:defRPr sz="1200"/>
+            </a:lvl1pPr>
+          </a:lstStyle>
+          <a:p>
+            <a:endParaRPr lang="en-US"/>
+          </a:p>
+        </p:txBody>
+      </p:sp>
+      <p:sp>
+        <p:nvSpPr>
+          <p:cNvPr id="3" name="Date Placeholder 2"/>
+          <p:cNvSpPr>
+            <a:spLocks noGrp="1"/>
+          </p:cNvSpPr>
+          <p:nvPr>
+            <p:ph type="dt" idx="1"/>
+          </p:nvPr>
+        </p:nvSpPr>
+        <p:spPr>
+          <a:xfrm>
+            <a:off x="3884613" y="0"/>
+            <a:ext cx="2971800" cy="458788"/>
+          </a:xfrm>
+          <a:prstGeom prst="rect">
+            <a:avLst/>
+          </a:prstGeom>
+        </p:spPr>
+        <p:txBody>
+          <a:bodyPr vert="horz" lIns="91440" tIns="45720" rIns="91440" bIns="45720" rtlCol="0"/>
+          <a:lstStyle>
+            <a:lvl1pPr algn="r">
+              <a:defRPr sz="1200"/>
+            </a:lvl1pPr>
+          </a:lstStyle>
+          <a:p>
+            <a:fld id="{C0F8EF02-BE7D-40AC-AC6E-B74953BC12A3}" type="datetimeFigureOut">
+              <a:rPr lang="en-US" smtClean="0"/>
+              <a:t>2/13/2023</a:t>
+            </a:fld>
+            <a:endParaRPr lang="en-US"/>
+          </a:p>
+        </p:txBody>
+      </p:sp>
+      <p:sp>
+        <p:nvSpPr>
+          <p:cNvPr id="4" name="Slide Image Placeholder 3"/>
+          <p:cNvSpPr>
+            <a:spLocks noGrp="1" noRot="1" noChangeAspect="1"/>
+          </p:cNvSpPr>
+          <p:nvPr>
+            <p:ph type="sldImg" idx="2"/>
+          </p:nvPr>
+        </p:nvSpPr>
+        <p:spPr>
+          <a:xfrm>
+            <a:off x="685800" y="1143000"/>
+            <a:ext cx="5486400" cy="3086100"/>
+          </a:xfrm>
+          <a:prstGeom prst="rect">
+            <a:avLst/>
+          </a:prstGeom>
+          <a:noFill/>
+          <a:ln w="12700">
+            <a:solidFill>
+              <a:prstClr val="black"/>
+            </a:solidFill>
+          </a:ln>
+        </p:spPr>
+        <p:txBody>
+          <a:bodyPr vert="horz" lIns="91440" tIns="45720" rIns="91440" bIns="45720" rtlCol="0" anchor="ctr"/>
+          <a:lstStyle/>
+          <a:p>
+            <a:endParaRPr lang="en-US"/>
+          </a:p>
+        </p:txBody>
+      </p:sp>
+      <p:sp>
+        <p:nvSpPr>
+          <p:cNvPr id="5" name="Notes Placeholder 4"/>
+          <p:cNvSpPr>
+            <a:spLocks noGrp="1"/>
+          </p:cNvSpPr>
+          <p:nvPr>
+            <p:ph type="body" sz="quarter" idx="3"/>
+          </p:nvPr>
+        </p:nvSpPr>
+        <p:spPr>
+          <a:xfrm>
+            <a:off x="685800" y="4400550"/>
+            <a:ext cx="5486400" cy="3600450"/>
+          </a:xfrm>
+          <a:prstGeom prst="rect">
+            <a:avLst/>
+          </a:prstGeom>
+        </p:spPr>
+        <p:txBody>
+          <a:bodyPr vert="horz" lIns="91440" tIns="45720" rIns="91440" bIns="45720" rtlCol="0"/>
+          <a:lstStyle/>
+          <a:p>
+            <a:pPr lvl="0"/>
+            <a:r>
+              <a:rPr lang="en-US"/>
+              <a:t>Click to edit Master text styles</a:t>
+            </a:r>
+          </a:p>
+          <a:p>
+            <a:pPr lvl="1"/>
+            <a:r>
+              <a:rPr lang="en-US"/>
+              <a:t>Second level</a:t>
+            </a:r>
+          </a:p>
+          <a:p>
+            <a:pPr lvl="2"/>
+            <a:r>
+              <a:rPr lang="en-US"/>
+              <a:t>Third level</a:t>
+            </a:r>
+          </a:p>
+          <a:p>
+            <a:pPr lvl="3"/>
+            <a:r>
+              <a:rPr lang="en-US"/>
+              <a:t>Fourth level</a:t>
+            </a:r>
+          </a:p>
+          <a:p>
+            <a:pPr lvl="4"/>
+            <a:r>
+              <a:rPr lang="en-US"/>
+              <a:t>Fifth level</a:t>
+            </a:r>
+          </a:p>
+        </p:txBody>
+      </p:sp>
+      <p:sp>
+        <p:nvSpPr>
+          <p:cNvPr id="6" name="Footer Placeholder 5"/>
+          <p:cNvSpPr>
+            <a:spLocks noGrp="1"/>
+          </p:cNvSpPr>
+          <p:nvPr>
+            <p:ph type="ftr" sz="quarter" idx="4"/>
+          </p:nvPr>
+        </p:nvSpPr>
+        <p:spPr>
+          <a:xfrm>
+            <a:off x="0" y="8685213"/>
+            <a:ext cx="2971800" cy="458787"/>
+          </a:xfrm>
+          <a:prstGeom prst="rect">
+            <a:avLst/>
+          </a:prstGeom>
+        </p:spPr>
+        <p:txBody>
+          <a:bodyPr vert="horz" lIns="91440" tIns="45720" rIns="91440" bIns="45720" rtlCol="0" anchor="b"/>
+          <a:lstStyle>
+            <a:lvl1pPr algn="l">
+              <a:defRPr sz="1200"/>
+            </a:lvl1pPr>
+          </a:lstStyle>
+          <a:p>
+            <a:endParaRPr lang="en-US"/>
+          </a:p>
+        </p:txBody>
+      </p:sp>
+      <p:sp>
+        <p:nvSpPr>
+          <p:cNvPr id="7" name="Slide Number Placeholder 6"/>
+          <p:cNvSpPr>
+            <a:spLocks noGrp="1"/>
+          </p:cNvSpPr>
+          <p:nvPr>
+            <p:ph type="sldNum" sz="quarter" idx="5"/>
+          </p:nvPr>
+        </p:nvSpPr>
+        <p:spPr>
+          <a:xfrm>
+            <a:off x="3884613" y="8685213"/>
+            <a:ext cx="2971800" cy="458787"/>
+          </a:xfrm>
+          <a:prstGeom prst="rect">
+            <a:avLst/>
+          </a:prstGeom>
+        </p:spPr>
+        <p:txBody>
+          <a:bodyPr vert="horz" lIns="91440" tIns="45720" rIns="91440" bIns="45720" rtlCol="0" anchor="b"/>
+          <a:lstStyle>
+            <a:lvl1pPr algn="r">
+              <a:defRPr sz="1200"/>
+            </a:lvl1pPr>
+          </a:lstStyle>
+          <a:p>
+            <a:fld id="{210523E4-C25A-48D8-A2E1-4B2218FE212D}" type="slidenum">
+              <a:rPr lang="en-US" smtClean="0"/>
+              <a:t>‹#›</a:t>
+            </a:fld>
+            <a:endParaRPr lang="en-US"/>
+          </a:p>
+        </p:txBody>
+      </p:sp>
+    </p:spTree>
+    <p:extLst>
+      <p:ext uri="{BB962C8B-B14F-4D97-AF65-F5344CB8AC3E}">
+        <p14:creationId xmlns:p14="http://schemas.microsoft.com/office/powerpoint/2010/main" val="3563294874"/>
+      </p:ext>
+    </p:extLst>
+  </p:cSld>
+  <p:clrMap bg1="lt1" tx1="dk1" bg2="lt2" tx2="dk2" accent1="accent1" accent2="accent2" accent3="accent3" accent4="accent4" accent5="accent5" accent6="accent6" hlink="hlink" folHlink="folHlink"/>
+  <p:notesStyle>
+    <a:lvl1pPr marL="0" algn="l" defTabSz="914400" rtl="0" eaLnBrk="1" latinLnBrk="0" hangingPunct="1">
+      <a:defRPr sz="1200" kern="1200">
+        <a:solidFill>
+          <a:schemeClr val="tx1"/>
+        </a:solidFill>
+        <a:latin typeface="+mn-lt"/>
+        <a:ea typeface="+mn-ea"/>
+        <a:cs typeface="+mn-cs"/>
+      </a:defRPr>
+    </a:lvl1pPr>
+    <a:lvl2pPr marL="457200" algn="l" defTabSz="914400" rtl="0" eaLnBrk="1" latinLnBrk="0" hangingPunct="1">
+      <a:defRPr sz="1200" kern="1200">
+        <a:solidFill>
+          <a:schemeClr val="tx1"/>
+        </a:solidFill>
+        <a:latin typeface="+mn-lt"/>
+        <a:ea typeface="+mn-ea"/>
+        <a:cs typeface="+mn-cs"/>
+      </a:defRPr>
+    </a:lvl2pPr>
+    <a:lvl3pPr marL="914400" algn="l" defTabSz="914400" rtl="0" eaLnBrk="1" latinLnBrk="0" hangingPunct="1">
+      <a:defRPr sz="1200" kern="1200">
+        <a:solidFill>
+          <a:schemeClr val="tx1"/>
+        </a:solidFill>
+        <a:latin typeface="+mn-lt"/>
+        <a:ea typeface="+mn-ea"/>
+        <a:cs typeface="+mn-cs"/>
+      </a:defRPr>
+    </a:lvl3pPr>
+    <a:lvl4pPr marL="1371600" algn="l" defTabSz="914400" rtl="0" eaLnBrk="1" latinLnBrk="0" hangingPunct="1">
+      <a:defRPr sz="1200" kern="1200">
+        <a:solidFill>
+          <a:schemeClr val="tx1"/>
+        </a:solidFill>
+        <a:latin typeface="+mn-lt"/>
+        <a:ea typeface="+mn-ea"/>
+        <a:cs typeface="+mn-cs"/>
+      </a:defRPr>
+    </a:lvl4pPr>
+    <a:lvl5pPr marL="1828800" algn="l" defTabSz="914400" rtl="0" eaLnBrk="1" latinLnBrk="0" hangingPunct="1">
+      <a:defRPr sz="1200" kern="1200">
+        <a:solidFill>
+          <a:schemeClr val="tx1"/>
+        </a:solidFill>
+        <a:latin typeface="+mn-lt"/>
+        <a:ea typeface="+mn-ea"/>
+        <a:cs typeface="+mn-cs"/>
+      </a:defRPr>
+    </a:lvl5pPr>
+    <a:lvl6pPr marL="2286000" algn="l" defTabSz="914400" rtl="0" eaLnBrk="1" latinLnBrk="0" hangingPunct="1">
+      <a:defRPr sz="1200" kern="1200">
+        <a:solidFill>
+          <a:schemeClr val="tx1"/>
+        </a:solidFill>
+        <a:latin typeface="+mn-lt"/>
+        <a:ea typeface="+mn-ea"/>
+        <a:cs typeface="+mn-cs"/>
+      </a:defRPr>
+    </a:lvl6pPr>
+    <a:lvl7pPr marL="2743200" algn="l" defTabSz="914400" rtl="0" eaLnBrk="1" latinLnBrk="0" hangingPunct="1">
+      <a:defRPr sz="1200" kern="1200">
+        <a:solidFill>
+          <a:schemeClr val="tx1"/>
+        </a:solidFill>
+        <a:latin typeface="+mn-lt"/>
+        <a:ea typeface="+mn-ea"/>
+        <a:cs typeface="+mn-cs"/>
+      </a:defRPr>
+    </a:lvl7pPr>
+    <a:lvl8pPr marL="3200400" algn="l" defTabSz="914400" rtl="0" eaLnBrk="1" latinLnBrk="0" hangingPunct="1">
+      <a:defRPr sz="1200" kern="1200">
+        <a:solidFill>
+          <a:schemeClr val="tx1"/>
+        </a:solidFill>
+        <a:latin typeface="+mn-lt"/>
+        <a:ea typeface="+mn-ea"/>
+        <a:cs typeface="+mn-cs"/>
+      </a:defRPr>
+    </a:lvl8pPr>
+    <a:lvl9pPr marL="3657600" algn="l" defTabSz="914400" rtl="0" eaLnBrk="1" latinLnBrk="0" hangingPunct="1">
+      <a:defRPr sz="1200" kern="1200">
+        <a:solidFill>
+          <a:schemeClr val="tx1"/>
+        </a:solidFill>
+        <a:latin typeface="+mn-lt"/>
+        <a:ea typeface="+mn-ea"/>
+        <a:cs typeface="+mn-cs"/>
+      </a:defRPr>
+    </a:lvl9pPr>
+  </p:notesStyle>
+</p:notesMaster>
+</file>
+
+<file path=ppt/notesSlides/notesSlide1.xml><?xml version="1.0" encoding="utf-8"?>
+<p:notes xmlns:a="http://schemas.openxmlformats.org/drawingml/2006/main" xmlns:r="http://schemas.openxmlformats.org/officeDocument/2006/relationships" xmlns:p="http://schemas.openxmlformats.org/presentationml/2006/main">
+  <p:cSld>
+    <p:spTree>
+      <p:nvGrpSpPr>
+        <p:cNvPr id="1" name=""/>
+        <p:cNvGrpSpPr/>
+        <p:nvPr/>
+      </p:nvGrpSpPr>
+      <p:grpSpPr>
+        <a:xfrm>
+          <a:off x="0" y="0"/>
+          <a:ext cx="0" cy="0"/>
+          <a:chOff x="0" y="0"/>
+          <a:chExt cx="0" cy="0"/>
+        </a:xfrm>
+      </p:grpSpPr>
+      <p:sp>
+        <p:nvSpPr>
+          <p:cNvPr id="2" name="Slide Image Placeholder 1"/>
+          <p:cNvSpPr>
+            <a:spLocks noGrp="1" noRot="1" noChangeAspect="1"/>
+          </p:cNvSpPr>
+          <p:nvPr>
+            <p:ph type="sldImg"/>
+          </p:nvPr>
+        </p:nvSpPr>
+        <p:spPr/>
+      </p:sp>
+      <p:sp>
+        <p:nvSpPr>
+          <p:cNvPr id="3" name="Notes Placeholder 2"/>
+          <p:cNvSpPr>
+            <a:spLocks noGrp="1"/>
+          </p:cNvSpPr>
+          <p:nvPr>
+            <p:ph type="body" idx="1"/>
+          </p:nvPr>
+        </p:nvSpPr>
+        <p:spPr/>
+        <p:txBody>
+          <a:bodyPr/>
+          <a:lstStyle/>
+          <a:p>
+            <a:r>
+              <a:rPr lang="en-US" dirty="0"/>
+              <a:t>No C#</a:t>
+            </a:r>
+          </a:p>
+        </p:txBody>
+      </p:sp>
+      <p:sp>
+        <p:nvSpPr>
+          <p:cNvPr id="4" name="Slide Number Placeholder 3"/>
+          <p:cNvSpPr>
+            <a:spLocks noGrp="1"/>
+          </p:cNvSpPr>
+          <p:nvPr>
+            <p:ph type="sldNum" sz="quarter" idx="5"/>
+          </p:nvPr>
+        </p:nvSpPr>
+        <p:spPr/>
+        <p:txBody>
+          <a:bodyPr/>
+          <a:lstStyle/>
+          <a:p>
+            <a:fld id="{210523E4-C25A-48D8-A2E1-4B2218FE212D}" type="slidenum">
+              <a:rPr lang="en-US" smtClean="0"/>
+              <a:t>3</a:t>
+            </a:fld>
+            <a:endParaRPr lang="en-US"/>
+          </a:p>
+        </p:txBody>
+      </p:sp>
+    </p:spTree>
+    <p:extLst>
+      <p:ext uri="{BB962C8B-B14F-4D97-AF65-F5344CB8AC3E}">
+        <p14:creationId xmlns:p14="http://schemas.microsoft.com/office/powerpoint/2010/main" val="3235813815"/>
+      </p:ext>
+    </p:extLst>
+  </p:cSld>
+  <p:clrMapOvr>
+    <a:masterClrMapping/>
+  </p:clrMapOvr>
+</p:notes>
+</file>
+
 <file path=ppt/slideLayouts/slideLayout1.xml><?xml version="1.0" encoding="utf-8"?>
 <p:sldLayout xmlns:a="http://schemas.openxmlformats.org/drawingml/2006/main" xmlns:r="http://schemas.openxmlformats.org/officeDocument/2006/relationships" xmlns:p="http://schemas.openxmlformats.org/presentationml/2006/main" type="title" preserve="1">
   <p:cSld name="Title Slide">
@@ -3425,7 +3869,7 @@
           <a:p>
             <a:fld id="{9CD648BB-5A7C-41A9-AEE1-DB8997B2BFFE}" type="datetimeFigureOut">
               <a:rPr lang="en-US" smtClean="0"/>
-              <a:t>2/10/2023</a:t>
+              <a:t>2/13/2023</a:t>
             </a:fld>
             <a:endParaRPr lang="en-US"/>
           </a:p>
@@ -3595,7 +4039,7 @@
           <a:p>
             <a:fld id="{9CD648BB-5A7C-41A9-AEE1-DB8997B2BFFE}" type="datetimeFigureOut">
               <a:rPr lang="en-US" smtClean="0"/>
-              <a:t>2/10/2023</a:t>
+              <a:t>2/13/2023</a:t>
             </a:fld>
             <a:endParaRPr lang="en-US"/>
           </a:p>
@@ -3775,7 +4219,7 @@
           <a:p>
             <a:fld id="{9CD648BB-5A7C-41A9-AEE1-DB8997B2BFFE}" type="datetimeFigureOut">
               <a:rPr lang="en-US" smtClean="0"/>
-              <a:t>2/10/2023</a:t>
+              <a:t>2/13/2023</a:t>
             </a:fld>
             <a:endParaRPr lang="en-US"/>
           </a:p>
@@ -3945,7 +4389,7 @@
           <a:p>
             <a:fld id="{9CD648BB-5A7C-41A9-AEE1-DB8997B2BFFE}" type="datetimeFigureOut">
               <a:rPr lang="en-US" smtClean="0"/>
-              <a:t>2/10/2023</a:t>
+              <a:t>2/13/2023</a:t>
             </a:fld>
             <a:endParaRPr lang="en-US"/>
           </a:p>
@@ -4191,7 +4635,7 @@
           <a:p>
             <a:fld id="{9CD648BB-5A7C-41A9-AEE1-DB8997B2BFFE}" type="datetimeFigureOut">
               <a:rPr lang="en-US" smtClean="0"/>
-              <a:t>2/10/2023</a:t>
+              <a:t>2/13/2023</a:t>
             </a:fld>
             <a:endParaRPr lang="en-US"/>
           </a:p>
@@ -4423,7 +4867,7 @@
           <a:p>
             <a:fld id="{9CD648BB-5A7C-41A9-AEE1-DB8997B2BFFE}" type="datetimeFigureOut">
               <a:rPr lang="en-US" smtClean="0"/>
-              <a:t>2/10/2023</a:t>
+              <a:t>2/13/2023</a:t>
             </a:fld>
             <a:endParaRPr lang="en-US"/>
           </a:p>
@@ -4790,7 +5234,7 @@
           <a:p>
             <a:fld id="{9CD648BB-5A7C-41A9-AEE1-DB8997B2BFFE}" type="datetimeFigureOut">
               <a:rPr lang="en-US" smtClean="0"/>
-              <a:t>2/10/2023</a:t>
+              <a:t>2/13/2023</a:t>
             </a:fld>
             <a:endParaRPr lang="en-US"/>
           </a:p>
@@ -4908,7 +5352,7 @@
           <a:p>
             <a:fld id="{9CD648BB-5A7C-41A9-AEE1-DB8997B2BFFE}" type="datetimeFigureOut">
               <a:rPr lang="en-US" smtClean="0"/>
-              <a:t>2/10/2023</a:t>
+              <a:t>2/13/2023</a:t>
             </a:fld>
             <a:endParaRPr lang="en-US"/>
           </a:p>
@@ -5003,7 +5447,7 @@
           <a:p>
             <a:fld id="{9CD648BB-5A7C-41A9-AEE1-DB8997B2BFFE}" type="datetimeFigureOut">
               <a:rPr lang="en-US" smtClean="0"/>
-              <a:t>2/10/2023</a:t>
+              <a:t>2/13/2023</a:t>
             </a:fld>
             <a:endParaRPr lang="en-US"/>
           </a:p>
@@ -5280,7 +5724,7 @@
           <a:p>
             <a:fld id="{9CD648BB-5A7C-41A9-AEE1-DB8997B2BFFE}" type="datetimeFigureOut">
               <a:rPr lang="en-US" smtClean="0"/>
-              <a:t>2/10/2023</a:t>
+              <a:t>2/13/2023</a:t>
             </a:fld>
             <a:endParaRPr lang="en-US"/>
           </a:p>
@@ -5537,7 +5981,7 @@
           <a:p>
             <a:fld id="{9CD648BB-5A7C-41A9-AEE1-DB8997B2BFFE}" type="datetimeFigureOut">
               <a:rPr lang="en-US" smtClean="0"/>
-              <a:t>2/10/2023</a:t>
+              <a:t>2/13/2023</a:t>
             </a:fld>
             <a:endParaRPr lang="en-US"/>
           </a:p>
@@ -5750,7 +6194,7 @@
           <a:p>
             <a:fld id="{9CD648BB-5A7C-41A9-AEE1-DB8997B2BFFE}" type="datetimeFigureOut">
               <a:rPr lang="en-US" smtClean="0"/>
-              <a:t>2/10/2023</a:t>
+              <a:t>2/13/2023</a:t>
             </a:fld>
             <a:endParaRPr lang="en-US"/>
           </a:p>
@@ -6368,31 +6812,6 @@
       </p:sp>
       <p:sp>
         <p:nvSpPr>
-          <p:cNvPr id="3" name="Content Placeholder 2">
-            <a:extLst>
-              <a:ext uri="{FF2B5EF4-FFF2-40B4-BE49-F238E27FC236}">
-                <a16:creationId xmlns:a16="http://schemas.microsoft.com/office/drawing/2014/main" id="{4C3A261E-8063-78D4-1AEA-5C23BE24F9FD}"/>
-              </a:ext>
-            </a:extLst>
-          </p:cNvPr>
-          <p:cNvSpPr>
-            <a:spLocks noGrp="1"/>
-          </p:cNvSpPr>
-          <p:nvPr>
-            <p:ph idx="1"/>
-          </p:nvPr>
-        </p:nvSpPr>
-        <p:spPr/>
-        <p:txBody>
-          <a:bodyPr/>
-          <a:lstStyle/>
-          <a:p>
-            <a:endParaRPr lang="en-US" dirty="0"/>
-          </a:p>
-        </p:txBody>
-      </p:sp>
-      <p:sp>
-        <p:nvSpPr>
           <p:cNvPr id="7" name="Oval 6">
             <a:extLst>
               <a:ext uri="{FF2B5EF4-FFF2-40B4-BE49-F238E27FC236}">
@@ -6584,7 +7003,7 @@
         </p:nvSpPr>
         <p:spPr>
           <a:xfrm>
-            <a:off x="6096000" y="1825625"/>
+            <a:off x="5410200" y="1825625"/>
             <a:ext cx="1371600" cy="1371600"/>
           </a:xfrm>
           <a:prstGeom prst="ellipse">
@@ -6619,61 +7038,12 @@
           </a:p>
         </p:txBody>
       </p:sp>
-      <p:sp>
-        <p:nvSpPr>
-          <p:cNvPr id="23" name="Oval 22">
+      <p:cxnSp>
+        <p:nvCxnSpPr>
+          <p:cNvPr id="5" name="Straight Arrow Connector 4">
             <a:extLst>
               <a:ext uri="{FF2B5EF4-FFF2-40B4-BE49-F238E27FC236}">
-                <a16:creationId xmlns:a16="http://schemas.microsoft.com/office/drawing/2014/main" id="{8A52878C-263F-C2B9-01A5-593EFEBFD3EE}"/>
-              </a:ext>
-            </a:extLst>
-          </p:cNvPr>
-          <p:cNvSpPr/>
-          <p:nvPr/>
-        </p:nvSpPr>
-        <p:spPr>
-          <a:xfrm>
-            <a:off x="4724400" y="1825625"/>
-            <a:ext cx="1371600" cy="1371600"/>
-          </a:xfrm>
-          <a:prstGeom prst="ellipse">
-            <a:avLst/>
-          </a:prstGeom>
-        </p:spPr>
-        <p:style>
-          <a:lnRef idx="2">
-            <a:schemeClr val="accent1">
-              <a:shade val="50000"/>
-            </a:schemeClr>
-          </a:lnRef>
-          <a:fillRef idx="1">
-            <a:schemeClr val="accent1"/>
-          </a:fillRef>
-          <a:effectRef idx="0">
-            <a:schemeClr val="accent1"/>
-          </a:effectRef>
-          <a:fontRef idx="minor">
-            <a:schemeClr val="lt1"/>
-          </a:fontRef>
-        </p:style>
-        <p:txBody>
-          <a:bodyPr rtlCol="0" anchor="ctr"/>
-          <a:lstStyle/>
-          <a:p>
-            <a:pPr algn="ctr"/>
-            <a:r>
-              <a:rPr lang="en-US" sz="2000" i="1" dirty="0"/>
-              <a:t>C#</a:t>
-            </a:r>
-          </a:p>
-        </p:txBody>
-      </p:sp>
-      <p:cxnSp>
-        <p:nvCxnSpPr>
-          <p:cNvPr id="25" name="Straight Arrow Connector 24">
-            <a:extLst>
-              <a:ext uri="{FF2B5EF4-FFF2-40B4-BE49-F238E27FC236}">
-                <a16:creationId xmlns:a16="http://schemas.microsoft.com/office/drawing/2014/main" id="{D663D31B-4929-A1CA-19F9-55C8D120C840}"/>
+                <a16:creationId xmlns:a16="http://schemas.microsoft.com/office/drawing/2014/main" id="{B98A1A6F-3081-55C0-5E4B-4CE00EC65589}"/>
               </a:ext>
             </a:extLst>
           </p:cNvPr>
@@ -6685,8 +7055,8 @@
         </p:nvCxnSpPr>
         <p:spPr>
           <a:xfrm flipH="1">
-            <a:off x="7467600" y="2227357"/>
-            <a:ext cx="1544732" cy="284068"/>
+            <a:off x="6781800" y="2227357"/>
+            <a:ext cx="2230532" cy="284068"/>
           </a:xfrm>
           <a:prstGeom prst="straightConnector1">
             <a:avLst/>
@@ -6715,23 +7085,22 @@
       </p:cxnSp>
       <p:cxnSp>
         <p:nvCxnSpPr>
-          <p:cNvPr id="29" name="Straight Arrow Connector 28">
+          <p:cNvPr id="10" name="Straight Arrow Connector 9">
             <a:extLst>
               <a:ext uri="{FF2B5EF4-FFF2-40B4-BE49-F238E27FC236}">
-                <a16:creationId xmlns:a16="http://schemas.microsoft.com/office/drawing/2014/main" id="{D67C415F-6D5B-0D59-C137-2FCB9EDE4089}"/>
+                <a16:creationId xmlns:a16="http://schemas.microsoft.com/office/drawing/2014/main" id="{C09C2180-C5D0-7528-8D15-B5B0285E9C23}"/>
               </a:ext>
             </a:extLst>
           </p:cNvPr>
           <p:cNvCxnSpPr>
-            <a:stCxn id="13" idx="6"/>
             <a:endCxn id="8" idx="7"/>
           </p:cNvCxnSpPr>
           <p:nvPr/>
         </p:nvCxnSpPr>
         <p:spPr>
-          <a:xfrm flipH="1">
-            <a:off x="7065868" y="2511425"/>
-            <a:ext cx="401732" cy="1319307"/>
+          <a:xfrm>
+            <a:off x="6781800" y="2511425"/>
+            <a:ext cx="284068" cy="1319307"/>
           </a:xfrm>
           <a:prstGeom prst="straightConnector1">
             <a:avLst/>
@@ -6760,23 +7129,23 @@
       </p:cxnSp>
       <p:cxnSp>
         <p:nvCxnSpPr>
-          <p:cNvPr id="31" name="Straight Arrow Connector 30">
+          <p:cNvPr id="12" name="Straight Arrow Connector 11">
             <a:extLst>
               <a:ext uri="{FF2B5EF4-FFF2-40B4-BE49-F238E27FC236}">
-                <a16:creationId xmlns:a16="http://schemas.microsoft.com/office/drawing/2014/main" id="{E3CE7A15-A9B0-9D3A-5147-4ED3D27FADFE}"/>
+                <a16:creationId xmlns:a16="http://schemas.microsoft.com/office/drawing/2014/main" id="{B90667DE-930E-0D42-F5FE-C15C23427163}"/>
               </a:ext>
             </a:extLst>
           </p:cNvPr>
           <p:cNvCxnSpPr>
             <a:stCxn id="8" idx="1"/>
-            <a:endCxn id="23" idx="2"/>
+            <a:endCxn id="13" idx="2"/>
           </p:cNvCxnSpPr>
           <p:nvPr/>
         </p:nvCxnSpPr>
         <p:spPr>
-          <a:xfrm flipH="1" flipV="1">
-            <a:off x="4724400" y="2511425"/>
-            <a:ext cx="401732" cy="1319307"/>
+          <a:xfrm flipV="1">
+            <a:off x="5126132" y="2511425"/>
+            <a:ext cx="284068" cy="1319307"/>
           </a:xfrm>
           <a:prstGeom prst="straightConnector1">
             <a:avLst/>
@@ -6805,15 +7174,15 @@
       </p:cxnSp>
       <p:cxnSp>
         <p:nvCxnSpPr>
-          <p:cNvPr id="33" name="Straight Arrow Connector 32">
+          <p:cNvPr id="15" name="Straight Arrow Connector 14">
             <a:extLst>
               <a:ext uri="{FF2B5EF4-FFF2-40B4-BE49-F238E27FC236}">
-                <a16:creationId xmlns:a16="http://schemas.microsoft.com/office/drawing/2014/main" id="{8191ABEA-6F6A-8214-EE8E-7B4D5161AAEE}"/>
+                <a16:creationId xmlns:a16="http://schemas.microsoft.com/office/drawing/2014/main" id="{36247E05-0310-0331-3FA4-4391B5D31829}"/>
               </a:ext>
             </a:extLst>
           </p:cNvPr>
           <p:cNvCxnSpPr>
-            <a:stCxn id="23" idx="2"/>
+            <a:stCxn id="13" idx="2"/>
             <a:endCxn id="7" idx="7"/>
           </p:cNvCxnSpPr>
           <p:nvPr/>
@@ -6821,7 +7190,7 @@
         <p:spPr>
           <a:xfrm flipH="1" flipV="1">
             <a:off x="3179668" y="2227357"/>
-            <a:ext cx="1544732" cy="284068"/>
+            <a:ext cx="2230532" cy="284068"/>
           </a:xfrm>
           <a:prstGeom prst="straightConnector1">
             <a:avLst/>
@@ -6848,169 +7217,25 @@
           </a:fontRef>
         </p:style>
       </p:cxnSp>
-      <p:sp>
-        <p:nvSpPr>
-          <p:cNvPr id="34" name="TextBox 33">
+      <p:cxnSp>
+        <p:nvCxnSpPr>
+          <p:cNvPr id="17" name="Straight Arrow Connector 16">
             <a:extLst>
               <a:ext uri="{FF2B5EF4-FFF2-40B4-BE49-F238E27FC236}">
-                <a16:creationId xmlns:a16="http://schemas.microsoft.com/office/drawing/2014/main" id="{03640382-B939-D6BB-1C78-5EB66795D4E9}"/>
-              </a:ext>
-            </a:extLst>
-          </p:cNvPr>
-          <p:cNvSpPr txBox="1"/>
-          <p:nvPr/>
-        </p:nvSpPr>
-        <p:spPr>
-          <a:xfrm rot="20968448">
-            <a:off x="7738428" y="2107632"/>
-            <a:ext cx="1003075" cy="276999"/>
-          </a:xfrm>
-          <a:prstGeom prst="rect">
-            <a:avLst/>
-          </a:prstGeom>
-          <a:noFill/>
-        </p:spPr>
-        <p:txBody>
-          <a:bodyPr wrap="square" rtlCol="0">
-            <a:spAutoFit/>
-          </a:bodyPr>
-          <a:lstStyle/>
-          <a:p>
-            <a:pPr algn="ctr"/>
-            <a:r>
-              <a:rPr lang="en-US" sz="1200" dirty="0"/>
-              <a:t>web scraping</a:t>
-            </a:r>
-          </a:p>
-        </p:txBody>
-      </p:sp>
-      <p:sp>
-        <p:nvSpPr>
-          <p:cNvPr id="36" name="TextBox 35">
-            <a:extLst>
-              <a:ext uri="{FF2B5EF4-FFF2-40B4-BE49-F238E27FC236}">
-                <a16:creationId xmlns:a16="http://schemas.microsoft.com/office/drawing/2014/main" id="{C69547F1-6A40-FA5D-A6FA-4E88A57B6F3F}"/>
-              </a:ext>
-            </a:extLst>
-          </p:cNvPr>
-          <p:cNvSpPr txBox="1"/>
-          <p:nvPr/>
-        </p:nvSpPr>
-        <p:spPr>
-          <a:xfrm rot="1021998">
-            <a:off x="7111996" y="3454198"/>
-            <a:ext cx="979748" cy="461665"/>
-          </a:xfrm>
-          <a:prstGeom prst="rect">
-            <a:avLst/>
-          </a:prstGeom>
-          <a:noFill/>
-        </p:spPr>
-        <p:txBody>
-          <a:bodyPr wrap="square" rtlCol="0">
-            <a:spAutoFit/>
-          </a:bodyPr>
-          <a:lstStyle/>
-          <a:p>
-            <a:pPr algn="ctr"/>
-            <a:r>
-              <a:rPr lang="en-US" sz="1200" dirty="0"/>
-              <a:t>weekly lines, results</a:t>
-            </a:r>
-          </a:p>
-        </p:txBody>
-      </p:sp>
-      <p:sp>
-        <p:nvSpPr>
-          <p:cNvPr id="37" name="TextBox 36">
-            <a:extLst>
-              <a:ext uri="{FF2B5EF4-FFF2-40B4-BE49-F238E27FC236}">
-                <a16:creationId xmlns:a16="http://schemas.microsoft.com/office/drawing/2014/main" id="{63AD67C7-EE0E-CC39-19CE-1719D54DC87D}"/>
-              </a:ext>
-            </a:extLst>
-          </p:cNvPr>
-          <p:cNvSpPr txBox="1"/>
-          <p:nvPr/>
-        </p:nvSpPr>
-        <p:spPr>
-          <a:xfrm rot="20600722">
-            <a:off x="4439936" y="3546531"/>
-            <a:ext cx="646030" cy="276999"/>
-          </a:xfrm>
-          <a:prstGeom prst="rect">
-            <a:avLst/>
-          </a:prstGeom>
-          <a:noFill/>
-        </p:spPr>
-        <p:txBody>
-          <a:bodyPr wrap="square" rtlCol="0">
-            <a:spAutoFit/>
-          </a:bodyPr>
-          <a:lstStyle/>
-          <a:p>
-            <a:pPr algn="ctr"/>
-            <a:r>
-              <a:rPr lang="en-US" sz="1200" dirty="0"/>
-              <a:t>queries</a:t>
-            </a:r>
-          </a:p>
-        </p:txBody>
-      </p:sp>
-      <p:sp>
-        <p:nvSpPr>
-          <p:cNvPr id="38" name="TextBox 37">
-            <a:extLst>
-              <a:ext uri="{FF2B5EF4-FFF2-40B4-BE49-F238E27FC236}">
-                <a16:creationId xmlns:a16="http://schemas.microsoft.com/office/drawing/2014/main" id="{1FDD9698-765D-260C-6EB7-297EFAEB3FF1}"/>
-              </a:ext>
-            </a:extLst>
-          </p:cNvPr>
-          <p:cNvSpPr txBox="1"/>
-          <p:nvPr/>
-        </p:nvSpPr>
-        <p:spPr>
-          <a:xfrm rot="626712">
-            <a:off x="3564254" y="1936613"/>
-            <a:ext cx="979748" cy="461665"/>
-          </a:xfrm>
-          <a:prstGeom prst="rect">
-            <a:avLst/>
-          </a:prstGeom>
-          <a:noFill/>
-        </p:spPr>
-        <p:txBody>
-          <a:bodyPr wrap="square" rtlCol="0">
-            <a:spAutoFit/>
-          </a:bodyPr>
-          <a:lstStyle/>
-          <a:p>
-            <a:pPr algn="ctr"/>
-            <a:r>
-              <a:rPr lang="en-US" sz="1200" dirty="0"/>
-              <a:t>weekly lines, results</a:t>
-            </a:r>
-          </a:p>
-        </p:txBody>
-      </p:sp>
-      <p:cxnSp>
-        <p:nvCxnSpPr>
-          <p:cNvPr id="40" name="Straight Arrow Connector 39">
-            <a:extLst>
-              <a:ext uri="{FF2B5EF4-FFF2-40B4-BE49-F238E27FC236}">
-                <a16:creationId xmlns:a16="http://schemas.microsoft.com/office/drawing/2014/main" id="{ADA2E97E-696C-42F1-1FE6-7FA137C67E6D}"/>
+                <a16:creationId xmlns:a16="http://schemas.microsoft.com/office/drawing/2014/main" id="{F3816C35-D517-74BE-6E29-18C3C782AD8F}"/>
               </a:ext>
             </a:extLst>
           </p:cNvPr>
           <p:cNvCxnSpPr>
             <a:stCxn id="9" idx="2"/>
-            <a:endCxn id="23" idx="5"/>
+            <a:endCxn id="13" idx="4"/>
           </p:cNvCxnSpPr>
           <p:nvPr/>
         </p:nvCxnSpPr>
         <p:spPr>
-          <a:xfrm flipH="1" flipV="1">
-            <a:off x="5895134" y="2996359"/>
-            <a:ext cx="2715466" cy="200866"/>
+          <a:xfrm flipH="1">
+            <a:off x="6096000" y="3197225"/>
+            <a:ext cx="2514600" cy="0"/>
           </a:xfrm>
           <a:prstGeom prst="straightConnector1">
             <a:avLst/>
@@ -7039,23 +7264,23 @@
       </p:cxnSp>
       <p:cxnSp>
         <p:nvCxnSpPr>
-          <p:cNvPr id="42" name="Straight Arrow Connector 41">
+          <p:cNvPr id="19" name="Straight Arrow Connector 18">
             <a:extLst>
               <a:ext uri="{FF2B5EF4-FFF2-40B4-BE49-F238E27FC236}">
-                <a16:creationId xmlns:a16="http://schemas.microsoft.com/office/drawing/2014/main" id="{2AAED5EC-3EDA-CE65-D5B5-C3DDDFEB9121}"/>
+                <a16:creationId xmlns:a16="http://schemas.microsoft.com/office/drawing/2014/main" id="{99873644-9D01-03CB-893F-E56BBA1BEF13}"/>
               </a:ext>
             </a:extLst>
           </p:cNvPr>
           <p:cNvCxnSpPr>
-            <a:stCxn id="23" idx="5"/>
+            <a:stCxn id="13" idx="4"/>
             <a:endCxn id="7" idx="6"/>
           </p:cNvCxnSpPr>
           <p:nvPr/>
         </p:nvCxnSpPr>
         <p:spPr>
           <a:xfrm flipH="1">
-            <a:off x="3581400" y="2996359"/>
-            <a:ext cx="2313734" cy="200866"/>
+            <a:off x="3581400" y="3197225"/>
+            <a:ext cx="2514600" cy="0"/>
           </a:xfrm>
           <a:prstGeom prst="straightConnector1">
             <a:avLst/>
@@ -7084,10 +7309,10 @@
       </p:cxnSp>
       <p:sp>
         <p:nvSpPr>
-          <p:cNvPr id="43" name="TextBox 42">
+          <p:cNvPr id="20" name="TextBox 19">
             <a:extLst>
               <a:ext uri="{FF2B5EF4-FFF2-40B4-BE49-F238E27FC236}">
-                <a16:creationId xmlns:a16="http://schemas.microsoft.com/office/drawing/2014/main" id="{034EB568-C37D-1DD8-198E-EE991509887C}"/>
+                <a16:creationId xmlns:a16="http://schemas.microsoft.com/office/drawing/2014/main" id="{489CFC27-8FC6-409A-4DDF-78D272AEBFB9}"/>
               </a:ext>
             </a:extLst>
           </p:cNvPr>
@@ -7095,9 +7320,9 @@
           <p:nvPr/>
         </p:nvSpPr>
         <p:spPr>
-          <a:xfrm rot="248527">
-            <a:off x="7610969" y="2886050"/>
-            <a:ext cx="693102" cy="276999"/>
+          <a:xfrm rot="21156848">
+            <a:off x="7864793" y="2054050"/>
+            <a:ext cx="1000125" cy="276999"/>
           </a:xfrm>
           <a:prstGeom prst="rect">
             <a:avLst/>
@@ -7112,6 +7337,150 @@
           <a:p>
             <a:pPr algn="ctr"/>
             <a:r>
+              <a:rPr lang="en-US" sz="1200" dirty="0"/>
+              <a:t>web scraping</a:t>
+            </a:r>
+          </a:p>
+        </p:txBody>
+      </p:sp>
+      <p:sp>
+        <p:nvSpPr>
+          <p:cNvPr id="21" name="TextBox 20">
+            <a:extLst>
+              <a:ext uri="{FF2B5EF4-FFF2-40B4-BE49-F238E27FC236}">
+                <a16:creationId xmlns:a16="http://schemas.microsoft.com/office/drawing/2014/main" id="{2DE0FD8D-FA0B-3673-81AA-0553F159A150}"/>
+              </a:ext>
+            </a:extLst>
+          </p:cNvPr>
+          <p:cNvSpPr txBox="1"/>
+          <p:nvPr/>
+        </p:nvSpPr>
+        <p:spPr>
+          <a:xfrm rot="20855741">
+            <a:off x="6979862" y="3270858"/>
+            <a:ext cx="979170" cy="461665"/>
+          </a:xfrm>
+          <a:prstGeom prst="rect">
+            <a:avLst/>
+          </a:prstGeom>
+          <a:noFill/>
+        </p:spPr>
+        <p:txBody>
+          <a:bodyPr wrap="square" rtlCol="0">
+            <a:spAutoFit/>
+          </a:bodyPr>
+          <a:lstStyle/>
+          <a:p>
+            <a:pPr algn="ctr"/>
+            <a:r>
+              <a:rPr lang="en-US" sz="1200" dirty="0"/>
+              <a:t>weekly lines, results</a:t>
+            </a:r>
+          </a:p>
+        </p:txBody>
+      </p:sp>
+      <p:sp>
+        <p:nvSpPr>
+          <p:cNvPr id="22" name="TextBox 21">
+            <a:extLst>
+              <a:ext uri="{FF2B5EF4-FFF2-40B4-BE49-F238E27FC236}">
+                <a16:creationId xmlns:a16="http://schemas.microsoft.com/office/drawing/2014/main" id="{B6026CE5-BE22-2D0B-6633-F4AA64E06BF7}"/>
+              </a:ext>
+            </a:extLst>
+          </p:cNvPr>
+          <p:cNvSpPr txBox="1"/>
+          <p:nvPr/>
+        </p:nvSpPr>
+        <p:spPr>
+          <a:xfrm rot="720517">
+            <a:off x="4534471" y="3488387"/>
+            <a:ext cx="645795" cy="276999"/>
+          </a:xfrm>
+          <a:prstGeom prst="rect">
+            <a:avLst/>
+          </a:prstGeom>
+          <a:noFill/>
+        </p:spPr>
+        <p:txBody>
+          <a:bodyPr wrap="square" rtlCol="0">
+            <a:spAutoFit/>
+          </a:bodyPr>
+          <a:lstStyle/>
+          <a:p>
+            <a:pPr algn="ctr"/>
+            <a:r>
+              <a:rPr lang="en-US" sz="1200" dirty="0"/>
+              <a:t>queries</a:t>
+            </a:r>
+          </a:p>
+        </p:txBody>
+      </p:sp>
+      <p:sp>
+        <p:nvSpPr>
+          <p:cNvPr id="24" name="TextBox 23">
+            <a:extLst>
+              <a:ext uri="{FF2B5EF4-FFF2-40B4-BE49-F238E27FC236}">
+                <a16:creationId xmlns:a16="http://schemas.microsoft.com/office/drawing/2014/main" id="{38BED46F-F4DB-0204-49D2-CA70EE880D5D}"/>
+              </a:ext>
+            </a:extLst>
+          </p:cNvPr>
+          <p:cNvSpPr txBox="1"/>
+          <p:nvPr/>
+        </p:nvSpPr>
+        <p:spPr>
+          <a:xfrm rot="433589">
+            <a:off x="3319650" y="1861587"/>
+            <a:ext cx="979170" cy="461665"/>
+          </a:xfrm>
+          <a:prstGeom prst="rect">
+            <a:avLst/>
+          </a:prstGeom>
+          <a:noFill/>
+        </p:spPr>
+        <p:txBody>
+          <a:bodyPr wrap="square" rtlCol="0">
+            <a:spAutoFit/>
+          </a:bodyPr>
+          <a:lstStyle/>
+          <a:p>
+            <a:pPr algn="ctr"/>
+            <a:r>
+              <a:rPr lang="en-US" sz="1200" dirty="0"/>
+              <a:t>weekly lines, results</a:t>
+            </a:r>
+          </a:p>
+        </p:txBody>
+      </p:sp>
+      <p:sp>
+        <p:nvSpPr>
+          <p:cNvPr id="26" name="TextBox 25">
+            <a:extLst>
+              <a:ext uri="{FF2B5EF4-FFF2-40B4-BE49-F238E27FC236}">
+                <a16:creationId xmlns:a16="http://schemas.microsoft.com/office/drawing/2014/main" id="{252071AC-851C-E1FD-8170-F31E2CDA34BD}"/>
+              </a:ext>
+            </a:extLst>
+          </p:cNvPr>
+          <p:cNvSpPr txBox="1"/>
+          <p:nvPr/>
+        </p:nvSpPr>
+        <p:spPr>
+          <a:xfrm>
+            <a:off x="7897066" y="2939538"/>
+            <a:ext cx="696431" cy="276999"/>
+          </a:xfrm>
+          <a:prstGeom prst="rect">
+            <a:avLst/>
+          </a:prstGeom>
+          <a:noFill/>
+        </p:spPr>
+        <p:txBody>
+          <a:bodyPr wrap="square" rtlCol="0">
+            <a:spAutoFit/>
+          </a:bodyPr>
+          <a:lstStyle/>
+          <a:p>
+            <a:pPr algn="ctr"/>
+            <a:r>
               <a:rPr lang="en-US" sz="1200" dirty="0">
                 <a:solidFill>
                   <a:srgbClr val="FF0000"/>
@@ -7124,10 +7493,10 @@
       </p:sp>
       <p:sp>
         <p:nvSpPr>
-          <p:cNvPr id="44" name="TextBox 43">
+          <p:cNvPr id="27" name="TextBox 26">
             <a:extLst>
               <a:ext uri="{FF2B5EF4-FFF2-40B4-BE49-F238E27FC236}">
-                <a16:creationId xmlns:a16="http://schemas.microsoft.com/office/drawing/2014/main" id="{036A199C-8C87-2FBE-F81F-F26DD8FD142C}"/>
+                <a16:creationId xmlns:a16="http://schemas.microsoft.com/office/drawing/2014/main" id="{315BF633-CF2A-E0E6-672F-3A0238F539C1}"/>
               </a:ext>
             </a:extLst>
           </p:cNvPr>
@@ -7135,9 +7504,9 @@
           <p:nvPr/>
         </p:nvSpPr>
         <p:spPr>
-          <a:xfrm rot="21306393">
-            <a:off x="3728775" y="2886049"/>
-            <a:ext cx="931790" cy="276999"/>
+          <a:xfrm>
+            <a:off x="3691202" y="2937756"/>
+            <a:ext cx="932251" cy="276999"/>
           </a:xfrm>
           <a:prstGeom prst="rect">
             <a:avLst/>
@@ -7165,7 +7534,7 @@
     </p:spTree>
     <p:extLst>
       <p:ext uri="{BB962C8B-B14F-4D97-AF65-F5344CB8AC3E}">
-        <p14:creationId xmlns:p14="http://schemas.microsoft.com/office/powerpoint/2010/main" val="4042859517"/>
+        <p14:creationId xmlns:p14="http://schemas.microsoft.com/office/powerpoint/2010/main" val="1231802676"/>
       </p:ext>
     </p:extLst>
   </p:cSld>
@@ -7628,4 +7997,299 @@
     </a:ext>
   </a:extLst>
 </a:theme>
+</file>
+
+<file path=ppt/theme/theme2.xml><?xml version="1.0" encoding="utf-8"?>
+<a:theme xmlns:a="http://schemas.openxmlformats.org/drawingml/2006/main" name="Office Theme">
+  <a:themeElements>
+    <a:clrScheme name="Office">
+      <a:dk1>
+        <a:sysClr val="windowText" lastClr="000000"/>
+      </a:dk1>
+      <a:lt1>
+        <a:sysClr val="window" lastClr="FFFFFF"/>
+      </a:lt1>
+      <a:dk2>
+        <a:srgbClr val="44546A"/>
+      </a:dk2>
+      <a:lt2>
+        <a:srgbClr val="E7E6E6"/>
+      </a:lt2>
+      <a:accent1>
+        <a:srgbClr val="4472C4"/>
+      </a:accent1>
+      <a:accent2>
+        <a:srgbClr val="ED7D31"/>
+      </a:accent2>
+      <a:accent3>
+        <a:srgbClr val="A5A5A5"/>
+      </a:accent3>
+      <a:accent4>
+        <a:srgbClr val="FFC000"/>
+      </a:accent4>
+      <a:accent5>
+        <a:srgbClr val="5B9BD5"/>
+      </a:accent5>
+      <a:accent6>
+        <a:srgbClr val="70AD47"/>
+      </a:accent6>
+      <a:hlink>
+        <a:srgbClr val="0563C1"/>
+      </a:hlink>
+      <a:folHlink>
+        <a:srgbClr val="954F72"/>
+      </a:folHlink>
+    </a:clrScheme>
+    <a:fontScheme name="Office">
+      <a:majorFont>
+        <a:latin typeface="Calibri Light" panose="020F0302020204030204"/>
+        <a:ea typeface=""/>
+        <a:cs typeface=""/>
+        <a:font script="Jpan" typeface="游ゴシック Light"/>
+        <a:font script="Hang" typeface="맑은 고딕"/>
+        <a:font script="Hans" typeface="等线 Light"/>
+        <a:font script="Hant" typeface="新細明體"/>
+        <a:font script="Arab" typeface="Times New Roman"/>
+        <a:font script="Hebr" typeface="Times New Roman"/>
+        <a:font script="Thai" typeface="Angsana New"/>
+        <a:font script="Ethi" typeface="Nyala"/>
+        <a:font script="Beng" typeface="Vrinda"/>
+        <a:font script="Gujr" typeface="Shruti"/>
+        <a:font script="Khmr" typeface="MoolBoran"/>
+        <a:font script="Knda" typeface="Tunga"/>
+        <a:font script="Guru" typeface="Raavi"/>
+        <a:font script="Cans" typeface="Euphemia"/>
+        <a:font script="Cher" typeface="Plantagenet Cherokee"/>
+        <a:font script="Yiii" typeface="Microsoft Yi Baiti"/>
+        <a:font script="Tibt" typeface="Microsoft Himalaya"/>
+        <a:font script="Thaa" typeface="MV Boli"/>
+        <a:font script="Deva" typeface="Mangal"/>
+        <a:font script="Telu" typeface="Gautami"/>
+        <a:font script="Taml" typeface="Latha"/>
+        <a:font script="Syrc" typeface="Estrangelo Edessa"/>
+        <a:font script="Orya" typeface="Kalinga"/>
+        <a:font script="Mlym" typeface="Kartika"/>
+        <a:font script="Laoo" typeface="DokChampa"/>
+        <a:font script="Sinh" typeface="Iskoola Pota"/>
+        <a:font script="Mong" typeface="Mongolian Baiti"/>
+        <a:font script="Viet" typeface="Times New Roman"/>
+        <a:font script="Uigh" typeface="Microsoft Uighur"/>
+        <a:font script="Geor" typeface="Sylfaen"/>
+        <a:font script="Armn" typeface="Arial"/>
+        <a:font script="Bugi" typeface="Leelawadee UI"/>
+        <a:font script="Bopo" typeface="Microsoft JhengHei"/>
+        <a:font script="Java" typeface="Javanese Text"/>
+        <a:font script="Lisu" typeface="Segoe UI"/>
+        <a:font script="Mymr" typeface="Myanmar Text"/>
+        <a:font script="Nkoo" typeface="Ebrima"/>
+        <a:font script="Olck" typeface="Nirmala UI"/>
+        <a:font script="Osma" typeface="Ebrima"/>
+        <a:font script="Phag" typeface="Phagspa"/>
+        <a:font script="Syrn" typeface="Estrangelo Edessa"/>
+        <a:font script="Syrj" typeface="Estrangelo Edessa"/>
+        <a:font script="Syre" typeface="Estrangelo Edessa"/>
+        <a:font script="Sora" typeface="Nirmala UI"/>
+        <a:font script="Tale" typeface="Microsoft Tai Le"/>
+        <a:font script="Talu" typeface="Microsoft New Tai Lue"/>
+        <a:font script="Tfng" typeface="Ebrima"/>
+      </a:majorFont>
+      <a:minorFont>
+        <a:latin typeface="Calibri" panose="020F0502020204030204"/>
+        <a:ea typeface=""/>
+        <a:cs typeface=""/>
+        <a:font script="Jpan" typeface="游ゴシック"/>
+        <a:font script="Hang" typeface="맑은 고딕"/>
+        <a:font script="Hans" typeface="等线"/>
+        <a:font script="Hant" typeface="新細明體"/>
+        <a:font script="Arab" typeface="Arial"/>
+        <a:font script="Hebr" typeface="Arial"/>
+        <a:font script="Thai" typeface="Cordia New"/>
+        <a:font script="Ethi" typeface="Nyala"/>
+        <a:font script="Beng" typeface="Vrinda"/>
+        <a:font script="Gujr" typeface="Shruti"/>
+        <a:font script="Khmr" typeface="DaunPenh"/>
+        <a:font script="Knda" typeface="Tunga"/>
+        <a:font script="Guru" typeface="Raavi"/>
+        <a:font script="Cans" typeface="Euphemia"/>
+        <a:font script="Cher" typeface="Plantagenet Cherokee"/>
+        <a:font script="Yiii" typeface="Microsoft Yi Baiti"/>
+        <a:font script="Tibt" typeface="Microsoft Himalaya"/>
+        <a:font script="Thaa" typeface="MV Boli"/>
+        <a:font script="Deva" typeface="Mangal"/>
+        <a:font script="Telu" typeface="Gautami"/>
+        <a:font script="Taml" typeface="Latha"/>
+        <a:font script="Syrc" typeface="Estrangelo Edessa"/>
+        <a:font script="Orya" typeface="Kalinga"/>
+        <a:font script="Mlym" typeface="Kartika"/>
+        <a:font script="Laoo" typeface="DokChampa"/>
+        <a:font script="Sinh" typeface="Iskoola Pota"/>
+        <a:font script="Mong" typeface="Mongolian Baiti"/>
+        <a:font script="Viet" typeface="Arial"/>
+        <a:font script="Uigh" typeface="Microsoft Uighur"/>
+        <a:font script="Geor" typeface="Sylfaen"/>
+        <a:font script="Armn" typeface="Arial"/>
+        <a:font script="Bugi" typeface="Leelawadee UI"/>
+        <a:font script="Bopo" typeface="Microsoft JhengHei"/>
+        <a:font script="Java" typeface="Javanese Text"/>
+        <a:font script="Lisu" typeface="Segoe UI"/>
+        <a:font script="Mymr" typeface="Myanmar Text"/>
+        <a:font script="Nkoo" typeface="Ebrima"/>
+        <a:font script="Olck" typeface="Nirmala UI"/>
+        <a:font script="Osma" typeface="Ebrima"/>
+        <a:font script="Phag" typeface="Phagspa"/>
+        <a:font script="Syrn" typeface="Estrangelo Edessa"/>
+        <a:font script="Syrj" typeface="Estrangelo Edessa"/>
+        <a:font script="Syre" typeface="Estrangelo Edessa"/>
+        <a:font script="Sora" typeface="Nirmala UI"/>
+        <a:font script="Tale" typeface="Microsoft Tai Le"/>
+        <a:font script="Talu" typeface="Microsoft New Tai Lue"/>
+        <a:font script="Tfng" typeface="Ebrima"/>
+      </a:minorFont>
+    </a:fontScheme>
+    <a:fmtScheme name="Office">
+      <a:fillStyleLst>
+        <a:solidFill>
+          <a:schemeClr val="phClr"/>
+        </a:solidFill>
+        <a:gradFill rotWithShape="1">
+          <a:gsLst>
+            <a:gs pos="0">
+              <a:schemeClr val="phClr">
+                <a:lumMod val="110000"/>
+                <a:satMod val="105000"/>
+                <a:tint val="67000"/>
+              </a:schemeClr>
+            </a:gs>
+            <a:gs pos="50000">
+              <a:schemeClr val="phClr">
+                <a:lumMod val="105000"/>
+                <a:satMod val="103000"/>
+                <a:tint val="73000"/>
+              </a:schemeClr>
+            </a:gs>
+            <a:gs pos="100000">
+              <a:schemeClr val="phClr">
+                <a:lumMod val="105000"/>
+                <a:satMod val="109000"/>
+                <a:tint val="81000"/>
+              </a:schemeClr>
+            </a:gs>
+          </a:gsLst>
+          <a:lin ang="5400000" scaled="0"/>
+        </a:gradFill>
+        <a:gradFill rotWithShape="1">
+          <a:gsLst>
+            <a:gs pos="0">
+              <a:schemeClr val="phClr">
+                <a:satMod val="103000"/>
+                <a:lumMod val="102000"/>
+                <a:tint val="94000"/>
+              </a:schemeClr>
+            </a:gs>
+            <a:gs pos="50000">
+              <a:schemeClr val="phClr">
+                <a:satMod val="110000"/>
+                <a:lumMod val="100000"/>
+                <a:shade val="100000"/>
+              </a:schemeClr>
+            </a:gs>
+            <a:gs pos="100000">
+              <a:schemeClr val="phClr">
+                <a:lumMod val="99000"/>
+                <a:satMod val="120000"/>
+                <a:shade val="78000"/>
+              </a:schemeClr>
+            </a:gs>
+          </a:gsLst>
+          <a:lin ang="5400000" scaled="0"/>
+        </a:gradFill>
+      </a:fillStyleLst>
+      <a:lnStyleLst>
+        <a:ln w="6350" cap="flat" cmpd="sng" algn="ctr">
+          <a:solidFill>
+            <a:schemeClr val="phClr"/>
+          </a:solidFill>
+          <a:prstDash val="solid"/>
+          <a:miter lim="800000"/>
+        </a:ln>
+        <a:ln w="12700" cap="flat" cmpd="sng" algn="ctr">
+          <a:solidFill>
+            <a:schemeClr val="phClr"/>
+          </a:solidFill>
+          <a:prstDash val="solid"/>
+          <a:miter lim="800000"/>
+        </a:ln>
+        <a:ln w="19050" cap="flat" cmpd="sng" algn="ctr">
+          <a:solidFill>
+            <a:schemeClr val="phClr"/>
+          </a:solidFill>
+          <a:prstDash val="solid"/>
+          <a:miter lim="800000"/>
+        </a:ln>
+      </a:lnStyleLst>
+      <a:effectStyleLst>
+        <a:effectStyle>
+          <a:effectLst/>
+        </a:effectStyle>
+        <a:effectStyle>
+          <a:effectLst/>
+        </a:effectStyle>
+        <a:effectStyle>
+          <a:effectLst>
+            <a:outerShdw blurRad="57150" dist="19050" dir="5400000" algn="ctr" rotWithShape="0">
+              <a:srgbClr val="000000">
+                <a:alpha val="63000"/>
+              </a:srgbClr>
+            </a:outerShdw>
+          </a:effectLst>
+        </a:effectStyle>
+      </a:effectStyleLst>
+      <a:bgFillStyleLst>
+        <a:solidFill>
+          <a:schemeClr val="phClr"/>
+        </a:solidFill>
+        <a:solidFill>
+          <a:schemeClr val="phClr">
+            <a:tint val="95000"/>
+            <a:satMod val="170000"/>
+          </a:schemeClr>
+        </a:solidFill>
+        <a:gradFill rotWithShape="1">
+          <a:gsLst>
+            <a:gs pos="0">
+              <a:schemeClr val="phClr">
+                <a:tint val="93000"/>
+                <a:satMod val="150000"/>
+                <a:shade val="98000"/>
+                <a:lumMod val="102000"/>
+              </a:schemeClr>
+            </a:gs>
+            <a:gs pos="50000">
+              <a:schemeClr val="phClr">
+                <a:tint val="98000"/>
+                <a:satMod val="130000"/>
+                <a:shade val="90000"/>
+                <a:lumMod val="103000"/>
+              </a:schemeClr>
+            </a:gs>
+            <a:gs pos="100000">
+              <a:schemeClr val="phClr">
+                <a:shade val="63000"/>
+                <a:satMod val="120000"/>
+              </a:schemeClr>
+            </a:gs>
+          </a:gsLst>
+          <a:lin ang="5400000" scaled="0"/>
+        </a:gradFill>
+      </a:bgFillStyleLst>
+    </a:fmtScheme>
+  </a:themeElements>
+  <a:objectDefaults/>
+  <a:extraClrSchemeLst/>
+  <a:extLst>
+    <a:ext uri="{05A4C25C-085E-4340-85A3-A5531E510DB2}">
+      <thm15:themeFamily xmlns:thm15="http://schemas.microsoft.com/office/thememl/2012/main" name="Office Theme" id="{62F939B6-93AF-4DB8-9C6B-D6C7DFDC589F}" vid="{4A3C46E8-61CC-4603-A589-7422A47A8E4A}"/>
+    </a:ext>
+  </a:extLst>
+</a:theme>
 </file>
--- a/Mainline Overview.pptx
+++ b/Mainline Overview.pptx
@@ -10,7 +10,7 @@
   <p:sldIdLst>
     <p:sldId id="256" r:id="rId2"/>
     <p:sldId id="257" r:id="rId3"/>
-    <p:sldId id="262" r:id="rId4"/>
+    <p:sldId id="263" r:id="rId4"/>
     <p:sldId id="261" r:id="rId5"/>
   </p:sldIdLst>
   <p:sldSz cx="12192000" cy="6858000"/>
@@ -3384,7 +3384,7 @@
           <a:p>
             <a:fld id="{C0F8EF02-BE7D-40AC-AC6E-B74953BC12A3}" type="datetimeFigureOut">
               <a:rPr lang="en-US" smtClean="0"/>
-              <a:t>2/13/2023</a:t>
+              <a:t>2/14/2023</a:t>
             </a:fld>
             <a:endParaRPr lang="en-US"/>
           </a:p>
@@ -3651,93 +3651,6 @@
 </p:notesMaster>
 </file>
 
-<file path=ppt/notesSlides/notesSlide1.xml><?xml version="1.0" encoding="utf-8"?>
-<p:notes xmlns:a="http://schemas.openxmlformats.org/drawingml/2006/main" xmlns:r="http://schemas.openxmlformats.org/officeDocument/2006/relationships" xmlns:p="http://schemas.openxmlformats.org/presentationml/2006/main">
-  <p:cSld>
-    <p:spTree>
-      <p:nvGrpSpPr>
-        <p:cNvPr id="1" name=""/>
-        <p:cNvGrpSpPr/>
-        <p:nvPr/>
-      </p:nvGrpSpPr>
-      <p:grpSpPr>
-        <a:xfrm>
-          <a:off x="0" y="0"/>
-          <a:ext cx="0" cy="0"/>
-          <a:chOff x="0" y="0"/>
-          <a:chExt cx="0" cy="0"/>
-        </a:xfrm>
-      </p:grpSpPr>
-      <p:sp>
-        <p:nvSpPr>
-          <p:cNvPr id="2" name="Slide Image Placeholder 1"/>
-          <p:cNvSpPr>
-            <a:spLocks noGrp="1" noRot="1" noChangeAspect="1"/>
-          </p:cNvSpPr>
-          <p:nvPr>
-            <p:ph type="sldImg"/>
-          </p:nvPr>
-        </p:nvSpPr>
-        <p:spPr/>
-      </p:sp>
-      <p:sp>
-        <p:nvSpPr>
-          <p:cNvPr id="3" name="Notes Placeholder 2"/>
-          <p:cNvSpPr>
-            <a:spLocks noGrp="1"/>
-          </p:cNvSpPr>
-          <p:nvPr>
-            <p:ph type="body" idx="1"/>
-          </p:nvPr>
-        </p:nvSpPr>
-        <p:spPr/>
-        <p:txBody>
-          <a:bodyPr/>
-          <a:lstStyle/>
-          <a:p>
-            <a:r>
-              <a:rPr lang="en-US" dirty="0"/>
-              <a:t>No C#</a:t>
-            </a:r>
-          </a:p>
-        </p:txBody>
-      </p:sp>
-      <p:sp>
-        <p:nvSpPr>
-          <p:cNvPr id="4" name="Slide Number Placeholder 3"/>
-          <p:cNvSpPr>
-            <a:spLocks noGrp="1"/>
-          </p:cNvSpPr>
-          <p:nvPr>
-            <p:ph type="sldNum" sz="quarter" idx="5"/>
-          </p:nvPr>
-        </p:nvSpPr>
-        <p:spPr/>
-        <p:txBody>
-          <a:bodyPr/>
-          <a:lstStyle/>
-          <a:p>
-            <a:fld id="{210523E4-C25A-48D8-A2E1-4B2218FE212D}" type="slidenum">
-              <a:rPr lang="en-US" smtClean="0"/>
-              <a:t>3</a:t>
-            </a:fld>
-            <a:endParaRPr lang="en-US"/>
-          </a:p>
-        </p:txBody>
-      </p:sp>
-    </p:spTree>
-    <p:extLst>
-      <p:ext uri="{BB962C8B-B14F-4D97-AF65-F5344CB8AC3E}">
-        <p14:creationId xmlns:p14="http://schemas.microsoft.com/office/powerpoint/2010/main" val="3235813815"/>
-      </p:ext>
-    </p:extLst>
-  </p:cSld>
-  <p:clrMapOvr>
-    <a:masterClrMapping/>
-  </p:clrMapOvr>
-</p:notes>
-</file>
-
 <file path=ppt/slideLayouts/slideLayout1.xml><?xml version="1.0" encoding="utf-8"?>
 <p:sldLayout xmlns:a="http://schemas.openxmlformats.org/drawingml/2006/main" xmlns:r="http://schemas.openxmlformats.org/officeDocument/2006/relationships" xmlns:p="http://schemas.openxmlformats.org/presentationml/2006/main" type="title" preserve="1">
   <p:cSld name="Title Slide">
@@ -3869,7 +3782,7 @@
           <a:p>
             <a:fld id="{9CD648BB-5A7C-41A9-AEE1-DB8997B2BFFE}" type="datetimeFigureOut">
               <a:rPr lang="en-US" smtClean="0"/>
-              <a:t>2/13/2023</a:t>
+              <a:t>2/14/2023</a:t>
             </a:fld>
             <a:endParaRPr lang="en-US"/>
           </a:p>
@@ -4039,7 +3952,7 @@
           <a:p>
             <a:fld id="{9CD648BB-5A7C-41A9-AEE1-DB8997B2BFFE}" type="datetimeFigureOut">
               <a:rPr lang="en-US" smtClean="0"/>
-              <a:t>2/13/2023</a:t>
+              <a:t>2/14/2023</a:t>
             </a:fld>
             <a:endParaRPr lang="en-US"/>
           </a:p>
@@ -4219,7 +4132,7 @@
           <a:p>
             <a:fld id="{9CD648BB-5A7C-41A9-AEE1-DB8997B2BFFE}" type="datetimeFigureOut">
               <a:rPr lang="en-US" smtClean="0"/>
-              <a:t>2/13/2023</a:t>
+              <a:t>2/14/2023</a:t>
             </a:fld>
             <a:endParaRPr lang="en-US"/>
           </a:p>
@@ -4389,7 +4302,7 @@
           <a:p>
             <a:fld id="{9CD648BB-5A7C-41A9-AEE1-DB8997B2BFFE}" type="datetimeFigureOut">
               <a:rPr lang="en-US" smtClean="0"/>
-              <a:t>2/13/2023</a:t>
+              <a:t>2/14/2023</a:t>
             </a:fld>
             <a:endParaRPr lang="en-US"/>
           </a:p>
@@ -4635,7 +4548,7 @@
           <a:p>
             <a:fld id="{9CD648BB-5A7C-41A9-AEE1-DB8997B2BFFE}" type="datetimeFigureOut">
               <a:rPr lang="en-US" smtClean="0"/>
-              <a:t>2/13/2023</a:t>
+              <a:t>2/14/2023</a:t>
             </a:fld>
             <a:endParaRPr lang="en-US"/>
           </a:p>
@@ -4867,7 +4780,7 @@
           <a:p>
             <a:fld id="{9CD648BB-5A7C-41A9-AEE1-DB8997B2BFFE}" type="datetimeFigureOut">
               <a:rPr lang="en-US" smtClean="0"/>
-              <a:t>2/13/2023</a:t>
+              <a:t>2/14/2023</a:t>
             </a:fld>
             <a:endParaRPr lang="en-US"/>
           </a:p>
@@ -5234,7 +5147,7 @@
           <a:p>
             <a:fld id="{9CD648BB-5A7C-41A9-AEE1-DB8997B2BFFE}" type="datetimeFigureOut">
               <a:rPr lang="en-US" smtClean="0"/>
-              <a:t>2/13/2023</a:t>
+              <a:t>2/14/2023</a:t>
             </a:fld>
             <a:endParaRPr lang="en-US"/>
           </a:p>
@@ -5352,7 +5265,7 @@
           <a:p>
             <a:fld id="{9CD648BB-5A7C-41A9-AEE1-DB8997B2BFFE}" type="datetimeFigureOut">
               <a:rPr lang="en-US" smtClean="0"/>
-              <a:t>2/13/2023</a:t>
+              <a:t>2/14/2023</a:t>
             </a:fld>
             <a:endParaRPr lang="en-US"/>
           </a:p>
@@ -5447,7 +5360,7 @@
           <a:p>
             <a:fld id="{9CD648BB-5A7C-41A9-AEE1-DB8997B2BFFE}" type="datetimeFigureOut">
               <a:rPr lang="en-US" smtClean="0"/>
-              <a:t>2/13/2023</a:t>
+              <a:t>2/14/2023</a:t>
             </a:fld>
             <a:endParaRPr lang="en-US"/>
           </a:p>
@@ -5724,7 +5637,7 @@
           <a:p>
             <a:fld id="{9CD648BB-5A7C-41A9-AEE1-DB8997B2BFFE}" type="datetimeFigureOut">
               <a:rPr lang="en-US" smtClean="0"/>
-              <a:t>2/13/2023</a:t>
+              <a:t>2/14/2023</a:t>
             </a:fld>
             <a:endParaRPr lang="en-US"/>
           </a:p>
@@ -5981,7 +5894,7 @@
           <a:p>
             <a:fld id="{9CD648BB-5A7C-41A9-AEE1-DB8997B2BFFE}" type="datetimeFigureOut">
               <a:rPr lang="en-US" smtClean="0"/>
-              <a:t>2/13/2023</a:t>
+              <a:t>2/14/2023</a:t>
             </a:fld>
             <a:endParaRPr lang="en-US"/>
           </a:p>
@@ -6194,7 +6107,7 @@
           <a:p>
             <a:fld id="{9CD648BB-5A7C-41A9-AEE1-DB8997B2BFFE}" type="datetimeFigureOut">
               <a:rPr lang="en-US" smtClean="0"/>
-              <a:t>2/13/2023</a:t>
+              <a:t>2/14/2023</a:t>
             </a:fld>
             <a:endParaRPr lang="en-US"/>
           </a:p>
@@ -6787,7 +6700,7 @@
           <p:cNvPr id="2" name="Title 1">
             <a:extLst>
               <a:ext uri="{FF2B5EF4-FFF2-40B4-BE49-F238E27FC236}">
-                <a16:creationId xmlns:a16="http://schemas.microsoft.com/office/drawing/2014/main" id="{36BCDCE8-7C15-F6C4-8B6E-D49A74E0E2FD}"/>
+                <a16:creationId xmlns:a16="http://schemas.microsoft.com/office/drawing/2014/main" id="{0A7D26B6-6936-F2F0-EB55-168468AACA6A}"/>
               </a:ext>
             </a:extLst>
           </p:cNvPr>
@@ -6812,10 +6725,10 @@
       </p:sp>
       <p:sp>
         <p:nvSpPr>
-          <p:cNvPr id="7" name="Oval 6">
+          <p:cNvPr id="4" name="Oval 3">
             <a:extLst>
               <a:ext uri="{FF2B5EF4-FFF2-40B4-BE49-F238E27FC236}">
-                <a16:creationId xmlns:a16="http://schemas.microsoft.com/office/drawing/2014/main" id="{96389568-F226-B05E-4B98-370377F69A45}"/>
+                <a16:creationId xmlns:a16="http://schemas.microsoft.com/office/drawing/2014/main" id="{F484DDE7-C343-1220-29E2-46980875ADFF}"/>
               </a:ext>
             </a:extLst>
           </p:cNvPr>
@@ -6867,17 +6780,17 @@
             <a:pPr algn="ctr"/>
             <a:r>
               <a:rPr lang="en-US" sz="2000" i="1" dirty="0"/>
-              <a:t>JavaScript</a:t>
-            </a:r>
-          </a:p>
-        </p:txBody>
-      </p:sp>
-      <p:sp>
-        <p:nvSpPr>
-          <p:cNvPr id="8" name="Oval 7">
+              <a:t>Electron</a:t>
+            </a:r>
+          </a:p>
+        </p:txBody>
+      </p:sp>
+      <p:sp>
+        <p:nvSpPr>
+          <p:cNvPr id="5" name="Oval 4">
             <a:extLst>
               <a:ext uri="{FF2B5EF4-FFF2-40B4-BE49-F238E27FC236}">
-                <a16:creationId xmlns:a16="http://schemas.microsoft.com/office/drawing/2014/main" id="{863835AF-8D23-D326-E371-B653E9BFF231}"/>
+                <a16:creationId xmlns:a16="http://schemas.microsoft.com/office/drawing/2014/main" id="{2B96812B-FA08-9319-9432-6E7322ADEE46}"/>
               </a:ext>
             </a:extLst>
           </p:cNvPr>
@@ -6929,17 +6842,17 @@
             <a:pPr algn="ctr"/>
             <a:r>
               <a:rPr lang="en-US" sz="2000" i="1" dirty="0"/>
-              <a:t>SQL</a:t>
-            </a:r>
-          </a:p>
-        </p:txBody>
-      </p:sp>
-      <p:sp>
-        <p:nvSpPr>
-          <p:cNvPr id="9" name="Oval 8">
+              <a:t>MySQL</a:t>
+            </a:r>
+          </a:p>
+        </p:txBody>
+      </p:sp>
+      <p:sp>
+        <p:nvSpPr>
+          <p:cNvPr id="6" name="Oval 5">
             <a:extLst>
               <a:ext uri="{FF2B5EF4-FFF2-40B4-BE49-F238E27FC236}">
-                <a16:creationId xmlns:a16="http://schemas.microsoft.com/office/drawing/2014/main" id="{54B30CC0-5871-B1C7-CAC3-7203BD8EB791}"/>
+                <a16:creationId xmlns:a16="http://schemas.microsoft.com/office/drawing/2014/main" id="{517F1AD7-D3F0-F248-F933-7AF50DDF6553}"/>
               </a:ext>
             </a:extLst>
           </p:cNvPr>
@@ -6991,10 +6904,10 @@
       </p:sp>
       <p:sp>
         <p:nvSpPr>
-          <p:cNvPr id="13" name="Oval 12">
+          <p:cNvPr id="9" name="Oval 8">
             <a:extLst>
               <a:ext uri="{FF2B5EF4-FFF2-40B4-BE49-F238E27FC236}">
-                <a16:creationId xmlns:a16="http://schemas.microsoft.com/office/drawing/2014/main" id="{E0BAED85-201F-0101-ABDE-2EF38133C438}"/>
+                <a16:creationId xmlns:a16="http://schemas.microsoft.com/office/drawing/2014/main" id="{93EAB04D-5E37-A5E4-6817-2185A92FFEE3}"/>
               </a:ext>
             </a:extLst>
           </p:cNvPr>
@@ -7003,12 +6916,15 @@
         </p:nvSpPr>
         <p:spPr>
           <a:xfrm>
-            <a:off x="5410200" y="1825625"/>
+            <a:off x="6096000" y="1825625"/>
             <a:ext cx="1371600" cy="1371600"/>
           </a:xfrm>
           <a:prstGeom prst="ellipse">
             <a:avLst/>
           </a:prstGeom>
+          <a:ln>
+            <a:noFill/>
+          </a:ln>
         </p:spPr>
         <p:style>
           <a:lnRef idx="2">
@@ -7038,25 +6954,77 @@
           </a:p>
         </p:txBody>
       </p:sp>
+      <p:sp>
+        <p:nvSpPr>
+          <p:cNvPr id="10" name="Oval 9">
+            <a:extLst>
+              <a:ext uri="{FF2B5EF4-FFF2-40B4-BE49-F238E27FC236}">
+                <a16:creationId xmlns:a16="http://schemas.microsoft.com/office/drawing/2014/main" id="{2D8926A0-635F-12F7-7920-76161ECFDA06}"/>
+              </a:ext>
+            </a:extLst>
+          </p:cNvPr>
+          <p:cNvSpPr/>
+          <p:nvPr/>
+        </p:nvSpPr>
+        <p:spPr>
+          <a:xfrm>
+            <a:off x="4724400" y="1827725"/>
+            <a:ext cx="1371600" cy="1371600"/>
+          </a:xfrm>
+          <a:prstGeom prst="ellipse">
+            <a:avLst/>
+          </a:prstGeom>
+          <a:ln>
+            <a:noFill/>
+          </a:ln>
+        </p:spPr>
+        <p:style>
+          <a:lnRef idx="2">
+            <a:schemeClr val="accent1">
+              <a:shade val="50000"/>
+            </a:schemeClr>
+          </a:lnRef>
+          <a:fillRef idx="1">
+            <a:schemeClr val="accent1"/>
+          </a:fillRef>
+          <a:effectRef idx="0">
+            <a:schemeClr val="accent1"/>
+          </a:effectRef>
+          <a:fontRef idx="minor">
+            <a:schemeClr val="lt1"/>
+          </a:fontRef>
+        </p:style>
+        <p:txBody>
+          <a:bodyPr rtlCol="0" anchor="ctr"/>
+          <a:lstStyle/>
+          <a:p>
+            <a:pPr algn="ctr"/>
+            <a:r>
+              <a:rPr lang="en-US" sz="2000" i="1" dirty="0"/>
+              <a:t>Node.js</a:t>
+            </a:r>
+          </a:p>
+        </p:txBody>
+      </p:sp>
       <p:cxnSp>
         <p:nvCxnSpPr>
-          <p:cNvPr id="5" name="Straight Arrow Connector 4">
+          <p:cNvPr id="12" name="Straight Arrow Connector 11">
             <a:extLst>
               <a:ext uri="{FF2B5EF4-FFF2-40B4-BE49-F238E27FC236}">
-                <a16:creationId xmlns:a16="http://schemas.microsoft.com/office/drawing/2014/main" id="{B98A1A6F-3081-55C0-5E4B-4CE00EC65589}"/>
+                <a16:creationId xmlns:a16="http://schemas.microsoft.com/office/drawing/2014/main" id="{6A406F75-F550-C1D4-49C4-878DD7A25469}"/>
               </a:ext>
             </a:extLst>
           </p:cNvPr>
           <p:cNvCxnSpPr>
-            <a:stCxn id="9" idx="1"/>
-            <a:endCxn id="13" idx="6"/>
+            <a:stCxn id="6" idx="1"/>
+            <a:endCxn id="9" idx="6"/>
           </p:cNvCxnSpPr>
           <p:nvPr/>
         </p:nvCxnSpPr>
         <p:spPr>
           <a:xfrm flipH="1">
-            <a:off x="6781800" y="2227357"/>
-            <a:ext cx="2230532" cy="284068"/>
+            <a:off x="7467600" y="2227357"/>
+            <a:ext cx="1544732" cy="284068"/>
           </a:xfrm>
           <a:prstGeom prst="straightConnector1">
             <a:avLst/>
@@ -7085,22 +7053,23 @@
       </p:cxnSp>
       <p:cxnSp>
         <p:nvCxnSpPr>
-          <p:cNvPr id="10" name="Straight Arrow Connector 9">
+          <p:cNvPr id="14" name="Straight Arrow Connector 13">
             <a:extLst>
               <a:ext uri="{FF2B5EF4-FFF2-40B4-BE49-F238E27FC236}">
-                <a16:creationId xmlns:a16="http://schemas.microsoft.com/office/drawing/2014/main" id="{C09C2180-C5D0-7528-8D15-B5B0285E9C23}"/>
+                <a16:creationId xmlns:a16="http://schemas.microsoft.com/office/drawing/2014/main" id="{347B212F-1572-AF3F-7A57-92CCB12F7242}"/>
               </a:ext>
             </a:extLst>
           </p:cNvPr>
           <p:cNvCxnSpPr>
-            <a:endCxn id="8" idx="7"/>
+            <a:stCxn id="9" idx="6"/>
+            <a:endCxn id="5" idx="7"/>
           </p:cNvCxnSpPr>
           <p:nvPr/>
         </p:nvCxnSpPr>
         <p:spPr>
-          <a:xfrm>
-            <a:off x="6781800" y="2511425"/>
-            <a:ext cx="284068" cy="1319307"/>
+          <a:xfrm flipH="1">
+            <a:off x="7065868" y="2511425"/>
+            <a:ext cx="401732" cy="1319307"/>
           </a:xfrm>
           <a:prstGeom prst="straightConnector1">
             <a:avLst/>
@@ -7129,23 +7098,23 @@
       </p:cxnSp>
       <p:cxnSp>
         <p:nvCxnSpPr>
-          <p:cNvPr id="12" name="Straight Arrow Connector 11">
+          <p:cNvPr id="16" name="Straight Arrow Connector 15">
             <a:extLst>
               <a:ext uri="{FF2B5EF4-FFF2-40B4-BE49-F238E27FC236}">
-                <a16:creationId xmlns:a16="http://schemas.microsoft.com/office/drawing/2014/main" id="{B90667DE-930E-0D42-F5FE-C15C23427163}"/>
+                <a16:creationId xmlns:a16="http://schemas.microsoft.com/office/drawing/2014/main" id="{82935B72-2FFE-5917-D00F-6456F195603E}"/>
               </a:ext>
             </a:extLst>
           </p:cNvPr>
           <p:cNvCxnSpPr>
-            <a:stCxn id="8" idx="1"/>
-            <a:endCxn id="13" idx="2"/>
+            <a:stCxn id="5" idx="1"/>
+            <a:endCxn id="10" idx="2"/>
           </p:cNvCxnSpPr>
           <p:nvPr/>
         </p:nvCxnSpPr>
         <p:spPr>
-          <a:xfrm flipV="1">
-            <a:off x="5126132" y="2511425"/>
-            <a:ext cx="284068" cy="1319307"/>
+          <a:xfrm flipH="1" flipV="1">
+            <a:off x="4724400" y="2513525"/>
+            <a:ext cx="401732" cy="1317207"/>
           </a:xfrm>
           <a:prstGeom prst="straightConnector1">
             <a:avLst/>
@@ -7174,23 +7143,23 @@
       </p:cxnSp>
       <p:cxnSp>
         <p:nvCxnSpPr>
-          <p:cNvPr id="15" name="Straight Arrow Connector 14">
+          <p:cNvPr id="18" name="Straight Arrow Connector 17">
             <a:extLst>
               <a:ext uri="{FF2B5EF4-FFF2-40B4-BE49-F238E27FC236}">
-                <a16:creationId xmlns:a16="http://schemas.microsoft.com/office/drawing/2014/main" id="{36247E05-0310-0331-3FA4-4391B5D31829}"/>
+                <a16:creationId xmlns:a16="http://schemas.microsoft.com/office/drawing/2014/main" id="{4D918CCB-85CC-BDC1-48D7-929F81BA23CA}"/>
               </a:ext>
             </a:extLst>
           </p:cNvPr>
           <p:cNvCxnSpPr>
-            <a:stCxn id="13" idx="2"/>
-            <a:endCxn id="7" idx="7"/>
+            <a:stCxn id="10" idx="2"/>
+            <a:endCxn id="4" idx="7"/>
           </p:cNvCxnSpPr>
           <p:nvPr/>
         </p:nvCxnSpPr>
         <p:spPr>
           <a:xfrm flipH="1" flipV="1">
             <a:off x="3179668" y="2227357"/>
-            <a:ext cx="2230532" cy="284068"/>
+            <a:ext cx="1544732" cy="286168"/>
           </a:xfrm>
           <a:prstGeom prst="straightConnector1">
             <a:avLst/>
@@ -7219,23 +7188,23 @@
       </p:cxnSp>
       <p:cxnSp>
         <p:nvCxnSpPr>
-          <p:cNvPr id="17" name="Straight Arrow Connector 16">
+          <p:cNvPr id="26" name="Straight Arrow Connector 25">
             <a:extLst>
               <a:ext uri="{FF2B5EF4-FFF2-40B4-BE49-F238E27FC236}">
-                <a16:creationId xmlns:a16="http://schemas.microsoft.com/office/drawing/2014/main" id="{F3816C35-D517-74BE-6E29-18C3C782AD8F}"/>
+                <a16:creationId xmlns:a16="http://schemas.microsoft.com/office/drawing/2014/main" id="{9FAFA981-E4E3-F3D2-81DF-4AAF65C9D3CA}"/>
               </a:ext>
             </a:extLst>
           </p:cNvPr>
           <p:cNvCxnSpPr>
-            <a:stCxn id="9" idx="2"/>
-            <a:endCxn id="13" idx="4"/>
+            <a:stCxn id="6" idx="2"/>
+            <a:endCxn id="10" idx="4"/>
           </p:cNvCxnSpPr>
           <p:nvPr/>
         </p:nvCxnSpPr>
         <p:spPr>
           <a:xfrm flipH="1">
-            <a:off x="6096000" y="3197225"/>
-            <a:ext cx="2514600" cy="0"/>
+            <a:off x="5410200" y="3197225"/>
+            <a:ext cx="3200400" cy="2100"/>
           </a:xfrm>
           <a:prstGeom prst="straightConnector1">
             <a:avLst/>
@@ -7264,23 +7233,23 @@
       </p:cxnSp>
       <p:cxnSp>
         <p:nvCxnSpPr>
-          <p:cNvPr id="19" name="Straight Arrow Connector 18">
+          <p:cNvPr id="28" name="Straight Arrow Connector 27">
             <a:extLst>
               <a:ext uri="{FF2B5EF4-FFF2-40B4-BE49-F238E27FC236}">
-                <a16:creationId xmlns:a16="http://schemas.microsoft.com/office/drawing/2014/main" id="{99873644-9D01-03CB-893F-E56BBA1BEF13}"/>
+                <a16:creationId xmlns:a16="http://schemas.microsoft.com/office/drawing/2014/main" id="{01F48FEF-0046-9D4E-1EB9-880A303BF6A6}"/>
               </a:ext>
             </a:extLst>
           </p:cNvPr>
           <p:cNvCxnSpPr>
-            <a:stCxn id="13" idx="4"/>
-            <a:endCxn id="7" idx="6"/>
+            <a:stCxn id="10" idx="4"/>
+            <a:endCxn id="4" idx="6"/>
           </p:cNvCxnSpPr>
           <p:nvPr/>
         </p:nvCxnSpPr>
         <p:spPr>
-          <a:xfrm flipH="1">
+          <a:xfrm flipH="1" flipV="1">
             <a:off x="3581400" y="3197225"/>
-            <a:ext cx="2514600" cy="0"/>
+            <a:ext cx="1828800" cy="2100"/>
           </a:xfrm>
           <a:prstGeom prst="straightConnector1">
             <a:avLst/>
@@ -7309,10 +7278,10 @@
       </p:cxnSp>
       <p:sp>
         <p:nvSpPr>
-          <p:cNvPr id="20" name="TextBox 19">
+          <p:cNvPr id="29" name="TextBox 28">
             <a:extLst>
               <a:ext uri="{FF2B5EF4-FFF2-40B4-BE49-F238E27FC236}">
-                <a16:creationId xmlns:a16="http://schemas.microsoft.com/office/drawing/2014/main" id="{489CFC27-8FC6-409A-4DDF-78D272AEBFB9}"/>
+                <a16:creationId xmlns:a16="http://schemas.microsoft.com/office/drawing/2014/main" id="{E1440BB0-B625-C300-06D8-EFABB9B0DC77}"/>
               </a:ext>
             </a:extLst>
           </p:cNvPr>
@@ -7320,9 +7289,9 @@
           <p:nvPr/>
         </p:nvSpPr>
         <p:spPr>
-          <a:xfrm rot="21156848">
-            <a:off x="7864793" y="2054050"/>
-            <a:ext cx="1000125" cy="276999"/>
+          <a:xfrm rot="20966844">
+            <a:off x="7993412" y="2060424"/>
+            <a:ext cx="1002030" cy="276999"/>
           </a:xfrm>
           <a:prstGeom prst="rect">
             <a:avLst/>
@@ -7345,10 +7314,10 @@
       </p:sp>
       <p:sp>
         <p:nvSpPr>
-          <p:cNvPr id="21" name="TextBox 20">
+          <p:cNvPr id="30" name="TextBox 29">
             <a:extLst>
               <a:ext uri="{FF2B5EF4-FFF2-40B4-BE49-F238E27FC236}">
-                <a16:creationId xmlns:a16="http://schemas.microsoft.com/office/drawing/2014/main" id="{2DE0FD8D-FA0B-3673-81AA-0553F159A150}"/>
+                <a16:creationId xmlns:a16="http://schemas.microsoft.com/office/drawing/2014/main" id="{91EE79DF-ED7C-5BF0-AAC8-1D4ADA53927E}"/>
               </a:ext>
             </a:extLst>
           </p:cNvPr>
@@ -7356,9 +7325,9 @@
           <p:nvPr/>
         </p:nvSpPr>
         <p:spPr>
-          <a:xfrm rot="20855741">
-            <a:off x="6979862" y="3270858"/>
-            <a:ext cx="979170" cy="461665"/>
+          <a:xfrm rot="1010766">
+            <a:off x="7129850" y="3406788"/>
+            <a:ext cx="977890" cy="461665"/>
           </a:xfrm>
           <a:prstGeom prst="rect">
             <a:avLst/>
@@ -7381,10 +7350,10 @@
       </p:sp>
       <p:sp>
         <p:nvSpPr>
-          <p:cNvPr id="22" name="TextBox 21">
+          <p:cNvPr id="31" name="TextBox 30">
             <a:extLst>
               <a:ext uri="{FF2B5EF4-FFF2-40B4-BE49-F238E27FC236}">
-                <a16:creationId xmlns:a16="http://schemas.microsoft.com/office/drawing/2014/main" id="{B6026CE5-BE22-2D0B-6633-F4AA64E06BF7}"/>
+                <a16:creationId xmlns:a16="http://schemas.microsoft.com/office/drawing/2014/main" id="{9D6EE363-3890-3CCD-23F3-E6403F6EEAAD}"/>
               </a:ext>
             </a:extLst>
           </p:cNvPr>
@@ -7392,9 +7361,9 @@
           <p:nvPr/>
         </p:nvSpPr>
         <p:spPr>
-          <a:xfrm rot="720517">
-            <a:off x="4534471" y="3488387"/>
-            <a:ext cx="645795" cy="276999"/>
+          <a:xfrm rot="636738">
+            <a:off x="3323997" y="1896483"/>
+            <a:ext cx="977890" cy="461665"/>
           </a:xfrm>
           <a:prstGeom prst="rect">
             <a:avLst/>
@@ -7410,17 +7379,17 @@
             <a:pPr algn="ctr"/>
             <a:r>
               <a:rPr lang="en-US" sz="1200" dirty="0"/>
-              <a:t>queries</a:t>
-            </a:r>
-          </a:p>
-        </p:txBody>
-      </p:sp>
-      <p:sp>
-        <p:nvSpPr>
-          <p:cNvPr id="24" name="TextBox 23">
+              <a:t>weekly lines, results</a:t>
+            </a:r>
+          </a:p>
+        </p:txBody>
+      </p:sp>
+      <p:sp>
+        <p:nvSpPr>
+          <p:cNvPr id="32" name="TextBox 31">
             <a:extLst>
               <a:ext uri="{FF2B5EF4-FFF2-40B4-BE49-F238E27FC236}">
-                <a16:creationId xmlns:a16="http://schemas.microsoft.com/office/drawing/2014/main" id="{38BED46F-F4DB-0204-49D2-CA70EE880D5D}"/>
+                <a16:creationId xmlns:a16="http://schemas.microsoft.com/office/drawing/2014/main" id="{29130C29-D819-BAF2-585C-A2B6A66E40A4}"/>
               </a:ext>
             </a:extLst>
           </p:cNvPr>
@@ -7428,9 +7397,9 @@
           <p:nvPr/>
         </p:nvSpPr>
         <p:spPr>
-          <a:xfrm rot="433589">
-            <a:off x="3319650" y="1861587"/>
-            <a:ext cx="979170" cy="461665"/>
+          <a:xfrm rot="20583931">
+            <a:off x="4468160" y="3652586"/>
+            <a:ext cx="646348" cy="276999"/>
           </a:xfrm>
           <a:prstGeom prst="rect">
             <a:avLst/>
@@ -7446,17 +7415,17 @@
             <a:pPr algn="ctr"/>
             <a:r>
               <a:rPr lang="en-US" sz="1200" dirty="0"/>
-              <a:t>weekly lines, results</a:t>
-            </a:r>
-          </a:p>
-        </p:txBody>
-      </p:sp>
-      <p:sp>
-        <p:nvSpPr>
-          <p:cNvPr id="26" name="TextBox 25">
+              <a:t>queries</a:t>
+            </a:r>
+          </a:p>
+        </p:txBody>
+      </p:sp>
+      <p:sp>
+        <p:nvSpPr>
+          <p:cNvPr id="33" name="TextBox 32">
             <a:extLst>
               <a:ext uri="{FF2B5EF4-FFF2-40B4-BE49-F238E27FC236}">
-                <a16:creationId xmlns:a16="http://schemas.microsoft.com/office/drawing/2014/main" id="{252071AC-851C-E1FD-8170-F31E2CDA34BD}"/>
+                <a16:creationId xmlns:a16="http://schemas.microsoft.com/office/drawing/2014/main" id="{C4E690C9-E3E3-3408-C2E0-CC39A020CFDC}"/>
               </a:ext>
             </a:extLst>
           </p:cNvPr>
@@ -7465,8 +7434,8 @@
         </p:nvSpPr>
         <p:spPr>
           <a:xfrm>
-            <a:off x="7897066" y="2939538"/>
-            <a:ext cx="696431" cy="276999"/>
+            <a:off x="7905355" y="2930528"/>
+            <a:ext cx="705245" cy="276999"/>
           </a:xfrm>
           <a:prstGeom prst="rect">
             <a:avLst/>
@@ -7493,10 +7462,10 @@
       </p:sp>
       <p:sp>
         <p:nvSpPr>
-          <p:cNvPr id="27" name="TextBox 26">
+          <p:cNvPr id="34" name="TextBox 33">
             <a:extLst>
               <a:ext uri="{FF2B5EF4-FFF2-40B4-BE49-F238E27FC236}">
-                <a16:creationId xmlns:a16="http://schemas.microsoft.com/office/drawing/2014/main" id="{315BF633-CF2A-E0E6-672F-3A0238F539C1}"/>
+                <a16:creationId xmlns:a16="http://schemas.microsoft.com/office/drawing/2014/main" id="{BC2444E9-485F-D871-C38C-D785EEFE4D3D}"/>
               </a:ext>
             </a:extLst>
           </p:cNvPr>
@@ -7505,8 +7474,8 @@
         </p:nvSpPr>
         <p:spPr>
           <a:xfrm>
-            <a:off x="3691202" y="2937756"/>
-            <a:ext cx="932251" cy="276999"/>
+            <a:off x="3688804" y="2930528"/>
+            <a:ext cx="936238" cy="276999"/>
           </a:xfrm>
           <a:prstGeom prst="rect">
             <a:avLst/>
@@ -7534,7 +7503,7 @@
     </p:spTree>
     <p:extLst>
       <p:ext uri="{BB962C8B-B14F-4D97-AF65-F5344CB8AC3E}">
-        <p14:creationId xmlns:p14="http://schemas.microsoft.com/office/powerpoint/2010/main" val="1231802676"/>
+        <p14:creationId xmlns:p14="http://schemas.microsoft.com/office/powerpoint/2010/main" val="406387080"/>
       </p:ext>
     </p:extLst>
   </p:cSld>

--- a/Mainline Overview.pptx
+++ b/Mainline Overview.pptx
@@ -7096,12 +7096,156 @@
           </a:fontRef>
         </p:style>
       </p:cxnSp>
+      <p:sp>
+        <p:nvSpPr>
+          <p:cNvPr id="29" name="TextBox 28">
+            <a:extLst>
+              <a:ext uri="{FF2B5EF4-FFF2-40B4-BE49-F238E27FC236}">
+                <a16:creationId xmlns:a16="http://schemas.microsoft.com/office/drawing/2014/main" id="{E1440BB0-B625-C300-06D8-EFABB9B0DC77}"/>
+              </a:ext>
+            </a:extLst>
+          </p:cNvPr>
+          <p:cNvSpPr txBox="1"/>
+          <p:nvPr/>
+        </p:nvSpPr>
+        <p:spPr>
+          <a:xfrm rot="20966844">
+            <a:off x="7993412" y="2060424"/>
+            <a:ext cx="1002030" cy="276999"/>
+          </a:xfrm>
+          <a:prstGeom prst="rect">
+            <a:avLst/>
+          </a:prstGeom>
+          <a:noFill/>
+        </p:spPr>
+        <p:txBody>
+          <a:bodyPr wrap="square" rtlCol="0">
+            <a:spAutoFit/>
+          </a:bodyPr>
+          <a:lstStyle/>
+          <a:p>
+            <a:pPr algn="ctr"/>
+            <a:r>
+              <a:rPr lang="en-US" sz="1200" dirty="0"/>
+              <a:t>web scraping</a:t>
+            </a:r>
+          </a:p>
+        </p:txBody>
+      </p:sp>
+      <p:sp>
+        <p:nvSpPr>
+          <p:cNvPr id="30" name="TextBox 29">
+            <a:extLst>
+              <a:ext uri="{FF2B5EF4-FFF2-40B4-BE49-F238E27FC236}">
+                <a16:creationId xmlns:a16="http://schemas.microsoft.com/office/drawing/2014/main" id="{91EE79DF-ED7C-5BF0-AAC8-1D4ADA53927E}"/>
+              </a:ext>
+            </a:extLst>
+          </p:cNvPr>
+          <p:cNvSpPr txBox="1"/>
+          <p:nvPr/>
+        </p:nvSpPr>
+        <p:spPr>
+          <a:xfrm rot="1010766">
+            <a:off x="7129850" y="3406788"/>
+            <a:ext cx="977890" cy="461665"/>
+          </a:xfrm>
+          <a:prstGeom prst="rect">
+            <a:avLst/>
+          </a:prstGeom>
+          <a:noFill/>
+        </p:spPr>
+        <p:txBody>
+          <a:bodyPr wrap="square" rtlCol="0">
+            <a:spAutoFit/>
+          </a:bodyPr>
+          <a:lstStyle/>
+          <a:p>
+            <a:pPr algn="ctr"/>
+            <a:r>
+              <a:rPr lang="en-US" sz="1200" dirty="0"/>
+              <a:t>weekly lines, results</a:t>
+            </a:r>
+          </a:p>
+        </p:txBody>
+      </p:sp>
+      <p:sp>
+        <p:nvSpPr>
+          <p:cNvPr id="31" name="TextBox 30">
+            <a:extLst>
+              <a:ext uri="{FF2B5EF4-FFF2-40B4-BE49-F238E27FC236}">
+                <a16:creationId xmlns:a16="http://schemas.microsoft.com/office/drawing/2014/main" id="{9D6EE363-3890-3CCD-23F3-E6403F6EEAAD}"/>
+              </a:ext>
+            </a:extLst>
+          </p:cNvPr>
+          <p:cNvSpPr txBox="1"/>
+          <p:nvPr/>
+        </p:nvSpPr>
+        <p:spPr>
+          <a:xfrm rot="636738">
+            <a:off x="3323997" y="1896483"/>
+            <a:ext cx="977890" cy="461665"/>
+          </a:xfrm>
+          <a:prstGeom prst="rect">
+            <a:avLst/>
+          </a:prstGeom>
+          <a:noFill/>
+        </p:spPr>
+        <p:txBody>
+          <a:bodyPr wrap="square" rtlCol="0">
+            <a:spAutoFit/>
+          </a:bodyPr>
+          <a:lstStyle/>
+          <a:p>
+            <a:pPr algn="ctr"/>
+            <a:r>
+              <a:rPr lang="en-US" sz="1200" dirty="0"/>
+              <a:t>weekly lines, results</a:t>
+            </a:r>
+          </a:p>
+        </p:txBody>
+      </p:sp>
+      <p:sp>
+        <p:nvSpPr>
+          <p:cNvPr id="32" name="TextBox 31">
+            <a:extLst>
+              <a:ext uri="{FF2B5EF4-FFF2-40B4-BE49-F238E27FC236}">
+                <a16:creationId xmlns:a16="http://schemas.microsoft.com/office/drawing/2014/main" id="{29130C29-D819-BAF2-585C-A2B6A66E40A4}"/>
+              </a:ext>
+            </a:extLst>
+          </p:cNvPr>
+          <p:cNvSpPr txBox="1"/>
+          <p:nvPr/>
+        </p:nvSpPr>
+        <p:spPr>
+          <a:xfrm rot="20583931">
+            <a:off x="4468160" y="3652586"/>
+            <a:ext cx="646348" cy="276999"/>
+          </a:xfrm>
+          <a:prstGeom prst="rect">
+            <a:avLst/>
+          </a:prstGeom>
+          <a:noFill/>
+        </p:spPr>
+        <p:txBody>
+          <a:bodyPr wrap="square" rtlCol="0">
+            <a:spAutoFit/>
+          </a:bodyPr>
+          <a:lstStyle/>
+          <a:p>
+            <a:pPr algn="ctr"/>
+            <a:r>
+              <a:rPr lang="en-US" sz="1200" dirty="0"/>
+              <a:t>queries</a:t>
+            </a:r>
+          </a:p>
+        </p:txBody>
+      </p:sp>
       <p:cxnSp>
         <p:nvCxnSpPr>
-          <p:cNvPr id="16" name="Straight Arrow Connector 15">
+          <p:cNvPr id="7" name="Straight Arrow Connector 6">
             <a:extLst>
               <a:ext uri="{FF2B5EF4-FFF2-40B4-BE49-F238E27FC236}">
-                <a16:creationId xmlns:a16="http://schemas.microsoft.com/office/drawing/2014/main" id="{82935B72-2FFE-5917-D00F-6456F195603E}"/>
+                <a16:creationId xmlns:a16="http://schemas.microsoft.com/office/drawing/2014/main" id="{79BB1F89-FBB3-7D9F-8C09-753A3AF1A1A1}"/>
               </a:ext>
             </a:extLst>
           </p:cNvPr>
@@ -7123,6 +7267,7 @@
             <a:solidFill>
               <a:schemeClr val="tx1"/>
             </a:solidFill>
+            <a:headEnd type="triangle"/>
             <a:tailEnd type="triangle"/>
           </a:ln>
         </p:spPr>
@@ -7143,10 +7288,10 @@
       </p:cxnSp>
       <p:cxnSp>
         <p:nvCxnSpPr>
-          <p:cNvPr id="18" name="Straight Arrow Connector 17">
+          <p:cNvPr id="11" name="Straight Arrow Connector 10">
             <a:extLst>
               <a:ext uri="{FF2B5EF4-FFF2-40B4-BE49-F238E27FC236}">
-                <a16:creationId xmlns:a16="http://schemas.microsoft.com/office/drawing/2014/main" id="{4D918CCB-85CC-BDC1-48D7-929F81BA23CA}"/>
+                <a16:creationId xmlns:a16="http://schemas.microsoft.com/office/drawing/2014/main" id="{22AC3EDD-88F7-6851-AB4D-92B9146764BE}"/>
               </a:ext>
             </a:extLst>
           </p:cNvPr>
@@ -7168,6 +7313,7 @@
             <a:solidFill>
               <a:schemeClr val="tx1"/>
             </a:solidFill>
+            <a:headEnd type="triangle"/>
             <a:tailEnd type="triangle"/>
           </a:ln>
         </p:spPr>
@@ -7186,320 +7332,6 @@
           </a:fontRef>
         </p:style>
       </p:cxnSp>
-      <p:cxnSp>
-        <p:nvCxnSpPr>
-          <p:cNvPr id="26" name="Straight Arrow Connector 25">
-            <a:extLst>
-              <a:ext uri="{FF2B5EF4-FFF2-40B4-BE49-F238E27FC236}">
-                <a16:creationId xmlns:a16="http://schemas.microsoft.com/office/drawing/2014/main" id="{9FAFA981-E4E3-F3D2-81DF-4AAF65C9D3CA}"/>
-              </a:ext>
-            </a:extLst>
-          </p:cNvPr>
-          <p:cNvCxnSpPr>
-            <a:stCxn id="6" idx="2"/>
-            <a:endCxn id="10" idx="4"/>
-          </p:cNvCxnSpPr>
-          <p:nvPr/>
-        </p:nvCxnSpPr>
-        <p:spPr>
-          <a:xfrm flipH="1">
-            <a:off x="5410200" y="3197225"/>
-            <a:ext cx="3200400" cy="2100"/>
-          </a:xfrm>
-          <a:prstGeom prst="straightConnector1">
-            <a:avLst/>
-          </a:prstGeom>
-          <a:ln w="38100">
-            <a:solidFill>
-              <a:srgbClr val="FF0000"/>
-            </a:solidFill>
-            <a:tailEnd type="triangle"/>
-          </a:ln>
-        </p:spPr>
-        <p:style>
-          <a:lnRef idx="1">
-            <a:schemeClr val="accent1"/>
-          </a:lnRef>
-          <a:fillRef idx="0">
-            <a:schemeClr val="accent1"/>
-          </a:fillRef>
-          <a:effectRef idx="0">
-            <a:schemeClr val="accent1"/>
-          </a:effectRef>
-          <a:fontRef idx="minor">
-            <a:schemeClr val="tx1"/>
-          </a:fontRef>
-        </p:style>
-      </p:cxnSp>
-      <p:cxnSp>
-        <p:nvCxnSpPr>
-          <p:cNvPr id="28" name="Straight Arrow Connector 27">
-            <a:extLst>
-              <a:ext uri="{FF2B5EF4-FFF2-40B4-BE49-F238E27FC236}">
-                <a16:creationId xmlns:a16="http://schemas.microsoft.com/office/drawing/2014/main" id="{01F48FEF-0046-9D4E-1EB9-880A303BF6A6}"/>
-              </a:ext>
-            </a:extLst>
-          </p:cNvPr>
-          <p:cNvCxnSpPr>
-            <a:stCxn id="10" idx="4"/>
-            <a:endCxn id="4" idx="6"/>
-          </p:cNvCxnSpPr>
-          <p:nvPr/>
-        </p:nvCxnSpPr>
-        <p:spPr>
-          <a:xfrm flipH="1" flipV="1">
-            <a:off x="3581400" y="3197225"/>
-            <a:ext cx="1828800" cy="2100"/>
-          </a:xfrm>
-          <a:prstGeom prst="straightConnector1">
-            <a:avLst/>
-          </a:prstGeom>
-          <a:ln w="38100">
-            <a:solidFill>
-              <a:srgbClr val="FF0000"/>
-            </a:solidFill>
-            <a:tailEnd type="triangle"/>
-          </a:ln>
-        </p:spPr>
-        <p:style>
-          <a:lnRef idx="1">
-            <a:schemeClr val="accent1"/>
-          </a:lnRef>
-          <a:fillRef idx="0">
-            <a:schemeClr val="accent1"/>
-          </a:fillRef>
-          <a:effectRef idx="0">
-            <a:schemeClr val="accent1"/>
-          </a:effectRef>
-          <a:fontRef idx="minor">
-            <a:schemeClr val="tx1"/>
-          </a:fontRef>
-        </p:style>
-      </p:cxnSp>
-      <p:sp>
-        <p:nvSpPr>
-          <p:cNvPr id="29" name="TextBox 28">
-            <a:extLst>
-              <a:ext uri="{FF2B5EF4-FFF2-40B4-BE49-F238E27FC236}">
-                <a16:creationId xmlns:a16="http://schemas.microsoft.com/office/drawing/2014/main" id="{E1440BB0-B625-C300-06D8-EFABB9B0DC77}"/>
-              </a:ext>
-            </a:extLst>
-          </p:cNvPr>
-          <p:cNvSpPr txBox="1"/>
-          <p:nvPr/>
-        </p:nvSpPr>
-        <p:spPr>
-          <a:xfrm rot="20966844">
-            <a:off x="7993412" y="2060424"/>
-            <a:ext cx="1002030" cy="276999"/>
-          </a:xfrm>
-          <a:prstGeom prst="rect">
-            <a:avLst/>
-          </a:prstGeom>
-          <a:noFill/>
-        </p:spPr>
-        <p:txBody>
-          <a:bodyPr wrap="square" rtlCol="0">
-            <a:spAutoFit/>
-          </a:bodyPr>
-          <a:lstStyle/>
-          <a:p>
-            <a:pPr algn="ctr"/>
-            <a:r>
-              <a:rPr lang="en-US" sz="1200" dirty="0"/>
-              <a:t>web scraping</a:t>
-            </a:r>
-          </a:p>
-        </p:txBody>
-      </p:sp>
-      <p:sp>
-        <p:nvSpPr>
-          <p:cNvPr id="30" name="TextBox 29">
-            <a:extLst>
-              <a:ext uri="{FF2B5EF4-FFF2-40B4-BE49-F238E27FC236}">
-                <a16:creationId xmlns:a16="http://schemas.microsoft.com/office/drawing/2014/main" id="{91EE79DF-ED7C-5BF0-AAC8-1D4ADA53927E}"/>
-              </a:ext>
-            </a:extLst>
-          </p:cNvPr>
-          <p:cNvSpPr txBox="1"/>
-          <p:nvPr/>
-        </p:nvSpPr>
-        <p:spPr>
-          <a:xfrm rot="1010766">
-            <a:off x="7129850" y="3406788"/>
-            <a:ext cx="977890" cy="461665"/>
-          </a:xfrm>
-          <a:prstGeom prst="rect">
-            <a:avLst/>
-          </a:prstGeom>
-          <a:noFill/>
-        </p:spPr>
-        <p:txBody>
-          <a:bodyPr wrap="square" rtlCol="0">
-            <a:spAutoFit/>
-          </a:bodyPr>
-          <a:lstStyle/>
-          <a:p>
-            <a:pPr algn="ctr"/>
-            <a:r>
-              <a:rPr lang="en-US" sz="1200" dirty="0"/>
-              <a:t>weekly lines, results</a:t>
-            </a:r>
-          </a:p>
-        </p:txBody>
-      </p:sp>
-      <p:sp>
-        <p:nvSpPr>
-          <p:cNvPr id="31" name="TextBox 30">
-            <a:extLst>
-              <a:ext uri="{FF2B5EF4-FFF2-40B4-BE49-F238E27FC236}">
-                <a16:creationId xmlns:a16="http://schemas.microsoft.com/office/drawing/2014/main" id="{9D6EE363-3890-3CCD-23F3-E6403F6EEAAD}"/>
-              </a:ext>
-            </a:extLst>
-          </p:cNvPr>
-          <p:cNvSpPr txBox="1"/>
-          <p:nvPr/>
-        </p:nvSpPr>
-        <p:spPr>
-          <a:xfrm rot="636738">
-            <a:off x="3323997" y="1896483"/>
-            <a:ext cx="977890" cy="461665"/>
-          </a:xfrm>
-          <a:prstGeom prst="rect">
-            <a:avLst/>
-          </a:prstGeom>
-          <a:noFill/>
-        </p:spPr>
-        <p:txBody>
-          <a:bodyPr wrap="square" rtlCol="0">
-            <a:spAutoFit/>
-          </a:bodyPr>
-          <a:lstStyle/>
-          <a:p>
-            <a:pPr algn="ctr"/>
-            <a:r>
-              <a:rPr lang="en-US" sz="1200" dirty="0"/>
-              <a:t>weekly lines, results</a:t>
-            </a:r>
-          </a:p>
-        </p:txBody>
-      </p:sp>
-      <p:sp>
-        <p:nvSpPr>
-          <p:cNvPr id="32" name="TextBox 31">
-            <a:extLst>
-              <a:ext uri="{FF2B5EF4-FFF2-40B4-BE49-F238E27FC236}">
-                <a16:creationId xmlns:a16="http://schemas.microsoft.com/office/drawing/2014/main" id="{29130C29-D819-BAF2-585C-A2B6A66E40A4}"/>
-              </a:ext>
-            </a:extLst>
-          </p:cNvPr>
-          <p:cNvSpPr txBox="1"/>
-          <p:nvPr/>
-        </p:nvSpPr>
-        <p:spPr>
-          <a:xfrm rot="20583931">
-            <a:off x="4468160" y="3652586"/>
-            <a:ext cx="646348" cy="276999"/>
-          </a:xfrm>
-          <a:prstGeom prst="rect">
-            <a:avLst/>
-          </a:prstGeom>
-          <a:noFill/>
-        </p:spPr>
-        <p:txBody>
-          <a:bodyPr wrap="square" rtlCol="0">
-            <a:spAutoFit/>
-          </a:bodyPr>
-          <a:lstStyle/>
-          <a:p>
-            <a:pPr algn="ctr"/>
-            <a:r>
-              <a:rPr lang="en-US" sz="1200" dirty="0"/>
-              <a:t>queries</a:t>
-            </a:r>
-          </a:p>
-        </p:txBody>
-      </p:sp>
-      <p:sp>
-        <p:nvSpPr>
-          <p:cNvPr id="33" name="TextBox 32">
-            <a:extLst>
-              <a:ext uri="{FF2B5EF4-FFF2-40B4-BE49-F238E27FC236}">
-                <a16:creationId xmlns:a16="http://schemas.microsoft.com/office/drawing/2014/main" id="{C4E690C9-E3E3-3408-C2E0-CC39A020CFDC}"/>
-              </a:ext>
-            </a:extLst>
-          </p:cNvPr>
-          <p:cNvSpPr txBox="1"/>
-          <p:nvPr/>
-        </p:nvSpPr>
-        <p:spPr>
-          <a:xfrm>
-            <a:off x="7905355" y="2930528"/>
-            <a:ext cx="705245" cy="276999"/>
-          </a:xfrm>
-          <a:prstGeom prst="rect">
-            <a:avLst/>
-          </a:prstGeom>
-          <a:noFill/>
-        </p:spPr>
-        <p:txBody>
-          <a:bodyPr wrap="square" rtlCol="0">
-            <a:spAutoFit/>
-          </a:bodyPr>
-          <a:lstStyle/>
-          <a:p>
-            <a:pPr algn="ctr"/>
-            <a:r>
-              <a:rPr lang="en-US" sz="1200" dirty="0">
-                <a:solidFill>
-                  <a:srgbClr val="FF0000"/>
-                </a:solidFill>
-              </a:rPr>
-              <a:t>API calls</a:t>
-            </a:r>
-          </a:p>
-        </p:txBody>
-      </p:sp>
-      <p:sp>
-        <p:nvSpPr>
-          <p:cNvPr id="34" name="TextBox 33">
-            <a:extLst>
-              <a:ext uri="{FF2B5EF4-FFF2-40B4-BE49-F238E27FC236}">
-                <a16:creationId xmlns:a16="http://schemas.microsoft.com/office/drawing/2014/main" id="{BC2444E9-485F-D871-C38C-D785EEFE4D3D}"/>
-              </a:ext>
-            </a:extLst>
-          </p:cNvPr>
-          <p:cNvSpPr txBox="1"/>
-          <p:nvPr/>
-        </p:nvSpPr>
-        <p:spPr>
-          <a:xfrm>
-            <a:off x="3688804" y="2930528"/>
-            <a:ext cx="936238" cy="276999"/>
-          </a:xfrm>
-          <a:prstGeom prst="rect">
-            <a:avLst/>
-          </a:prstGeom>
-          <a:noFill/>
-        </p:spPr>
-        <p:txBody>
-          <a:bodyPr wrap="square" rtlCol="0">
-            <a:spAutoFit/>
-          </a:bodyPr>
-          <a:lstStyle/>
-          <a:p>
-            <a:pPr algn="ctr"/>
-            <a:r>
-              <a:rPr lang="en-US" sz="1200" dirty="0">
-                <a:solidFill>
-                  <a:srgbClr val="FF0000"/>
-                </a:solidFill>
-              </a:rPr>
-              <a:t>live updates</a:t>
-            </a:r>
-          </a:p>
-        </p:txBody>
-      </p:sp>
     </p:spTree>
     <p:extLst>
       <p:ext uri="{BB962C8B-B14F-4D97-AF65-F5344CB8AC3E}">
